--- a/Quanteninformation-Bilder.pptx
+++ b/Quanteninformation-Bilder.pptx
@@ -6,6 +6,7 @@
   </p:sldMasterIdLst>
   <p:sldIdLst>
     <p:sldId id="256" r:id="rId2"/>
+    <p:sldId id="257" r:id="rId3"/>
   </p:sldIdLst>
   <p:sldSz cx="9144000" cy="6858000" type="screen4x3"/>
   <p:notesSz cx="6858000" cy="9144000"/>
@@ -105,6 +106,4138 @@
     </a:lvl9pPr>
   </p:defaultTextStyle>
 </p:presentation>
+</file>
+
+<file path=ppt/diagrams/colors1.xml><?xml version="1.0" encoding="utf-8"?>
+<dgm:colorsDef xmlns:dgm="http://schemas.openxmlformats.org/drawingml/2006/diagram" xmlns:a="http://schemas.openxmlformats.org/drawingml/2006/main" uniqueId="urn:microsoft.com/office/officeart/2005/8/colors/accent1_2">
+  <dgm:title val=""/>
+  <dgm:desc val=""/>
+  <dgm:catLst>
+    <dgm:cat type="accent1" pri="11200"/>
+  </dgm:catLst>
+  <dgm:styleLbl name="node0">
+    <dgm:fillClrLst meth="repeat">
+      <a:schemeClr val="accent1"/>
+    </dgm:fillClrLst>
+    <dgm:linClrLst meth="repeat">
+      <a:schemeClr val="lt1"/>
+    </dgm:linClrLst>
+    <dgm:effectClrLst/>
+    <dgm:txLinClrLst/>
+    <dgm:txFillClrLst/>
+    <dgm:txEffectClrLst/>
+  </dgm:styleLbl>
+  <dgm:styleLbl name="alignNode1">
+    <dgm:fillClrLst meth="repeat">
+      <a:schemeClr val="accent1"/>
+    </dgm:fillClrLst>
+    <dgm:linClrLst meth="repeat">
+      <a:schemeClr val="accent1"/>
+    </dgm:linClrLst>
+    <dgm:effectClrLst/>
+    <dgm:txLinClrLst/>
+    <dgm:txFillClrLst/>
+    <dgm:txEffectClrLst/>
+  </dgm:styleLbl>
+  <dgm:styleLbl name="node1">
+    <dgm:fillClrLst meth="repeat">
+      <a:schemeClr val="accent1"/>
+    </dgm:fillClrLst>
+    <dgm:linClrLst meth="repeat">
+      <a:schemeClr val="lt1"/>
+    </dgm:linClrLst>
+    <dgm:effectClrLst/>
+    <dgm:txLinClrLst/>
+    <dgm:txFillClrLst/>
+    <dgm:txEffectClrLst/>
+  </dgm:styleLbl>
+  <dgm:styleLbl name="lnNode1">
+    <dgm:fillClrLst meth="repeat">
+      <a:schemeClr val="accent1"/>
+    </dgm:fillClrLst>
+    <dgm:linClrLst meth="repeat">
+      <a:schemeClr val="lt1"/>
+    </dgm:linClrLst>
+    <dgm:effectClrLst/>
+    <dgm:txLinClrLst/>
+    <dgm:txFillClrLst/>
+    <dgm:txEffectClrLst/>
+  </dgm:styleLbl>
+  <dgm:styleLbl name="vennNode1">
+    <dgm:fillClrLst meth="repeat">
+      <a:schemeClr val="accent1">
+        <a:alpha val="50000"/>
+      </a:schemeClr>
+    </dgm:fillClrLst>
+    <dgm:linClrLst meth="repeat">
+      <a:schemeClr val="lt1"/>
+    </dgm:linClrLst>
+    <dgm:effectClrLst/>
+    <dgm:txLinClrLst/>
+    <dgm:txFillClrLst/>
+    <dgm:txEffectClrLst/>
+  </dgm:styleLbl>
+  <dgm:styleLbl name="node2">
+    <dgm:fillClrLst meth="repeat">
+      <a:schemeClr val="accent1"/>
+    </dgm:fillClrLst>
+    <dgm:linClrLst meth="repeat">
+      <a:schemeClr val="lt1"/>
+    </dgm:linClrLst>
+    <dgm:effectClrLst/>
+    <dgm:txLinClrLst/>
+    <dgm:txFillClrLst/>
+    <dgm:txEffectClrLst/>
+  </dgm:styleLbl>
+  <dgm:styleLbl name="node3">
+    <dgm:fillClrLst meth="repeat">
+      <a:schemeClr val="accent1"/>
+    </dgm:fillClrLst>
+    <dgm:linClrLst meth="repeat">
+      <a:schemeClr val="lt1"/>
+    </dgm:linClrLst>
+    <dgm:effectClrLst/>
+    <dgm:txLinClrLst/>
+    <dgm:txFillClrLst/>
+    <dgm:txEffectClrLst/>
+  </dgm:styleLbl>
+  <dgm:styleLbl name="node4">
+    <dgm:fillClrLst meth="repeat">
+      <a:schemeClr val="accent1"/>
+    </dgm:fillClrLst>
+    <dgm:linClrLst meth="repeat">
+      <a:schemeClr val="lt1"/>
+    </dgm:linClrLst>
+    <dgm:effectClrLst/>
+    <dgm:txLinClrLst/>
+    <dgm:txFillClrLst/>
+    <dgm:txEffectClrLst/>
+  </dgm:styleLbl>
+  <dgm:styleLbl name="fgImgPlace1">
+    <dgm:fillClrLst meth="repeat">
+      <a:schemeClr val="accent1">
+        <a:tint val="50000"/>
+      </a:schemeClr>
+    </dgm:fillClrLst>
+    <dgm:linClrLst meth="repeat">
+      <a:schemeClr val="lt1"/>
+    </dgm:linClrLst>
+    <dgm:effectClrLst/>
+    <dgm:txLinClrLst/>
+    <dgm:txFillClrLst meth="repeat">
+      <a:schemeClr val="lt1"/>
+    </dgm:txFillClrLst>
+    <dgm:txEffectClrLst/>
+  </dgm:styleLbl>
+  <dgm:styleLbl name="alignImgPlace1">
+    <dgm:fillClrLst meth="repeat">
+      <a:schemeClr val="accent1">
+        <a:tint val="50000"/>
+      </a:schemeClr>
+    </dgm:fillClrLst>
+    <dgm:linClrLst meth="repeat">
+      <a:schemeClr val="lt1"/>
+    </dgm:linClrLst>
+    <dgm:effectClrLst/>
+    <dgm:txLinClrLst/>
+    <dgm:txFillClrLst meth="repeat">
+      <a:schemeClr val="lt1"/>
+    </dgm:txFillClrLst>
+    <dgm:txEffectClrLst/>
+  </dgm:styleLbl>
+  <dgm:styleLbl name="bgImgPlace1">
+    <dgm:fillClrLst meth="repeat">
+      <a:schemeClr val="accent1">
+        <a:tint val="50000"/>
+      </a:schemeClr>
+    </dgm:fillClrLst>
+    <dgm:linClrLst meth="repeat">
+      <a:schemeClr val="lt1"/>
+    </dgm:linClrLst>
+    <dgm:effectClrLst/>
+    <dgm:txLinClrLst/>
+    <dgm:txFillClrLst meth="repeat">
+      <a:schemeClr val="lt1"/>
+    </dgm:txFillClrLst>
+    <dgm:txEffectClrLst/>
+  </dgm:styleLbl>
+  <dgm:styleLbl name="sibTrans2D1">
+    <dgm:fillClrLst meth="repeat">
+      <a:schemeClr val="accent1">
+        <a:tint val="60000"/>
+      </a:schemeClr>
+    </dgm:fillClrLst>
+    <dgm:linClrLst meth="repeat">
+      <a:schemeClr val="accent1">
+        <a:tint val="60000"/>
+      </a:schemeClr>
+    </dgm:linClrLst>
+    <dgm:effectClrLst/>
+    <dgm:txLinClrLst/>
+    <dgm:txFillClrLst/>
+    <dgm:txEffectClrLst/>
+  </dgm:styleLbl>
+  <dgm:styleLbl name="fgSibTrans2D1">
+    <dgm:fillClrLst meth="repeat">
+      <a:schemeClr val="accent1">
+        <a:tint val="60000"/>
+      </a:schemeClr>
+    </dgm:fillClrLst>
+    <dgm:linClrLst meth="repeat">
+      <a:schemeClr val="accent1">
+        <a:tint val="60000"/>
+      </a:schemeClr>
+    </dgm:linClrLst>
+    <dgm:effectClrLst/>
+    <dgm:txLinClrLst/>
+    <dgm:txFillClrLst/>
+    <dgm:txEffectClrLst/>
+  </dgm:styleLbl>
+  <dgm:styleLbl name="bgSibTrans2D1">
+    <dgm:fillClrLst meth="repeat">
+      <a:schemeClr val="accent1">
+        <a:tint val="60000"/>
+      </a:schemeClr>
+    </dgm:fillClrLst>
+    <dgm:linClrLst meth="repeat">
+      <a:schemeClr val="accent1">
+        <a:tint val="60000"/>
+      </a:schemeClr>
+    </dgm:linClrLst>
+    <dgm:effectClrLst/>
+    <dgm:txLinClrLst/>
+    <dgm:txFillClrLst/>
+    <dgm:txEffectClrLst/>
+  </dgm:styleLbl>
+  <dgm:styleLbl name="sibTrans1D1">
+    <dgm:fillClrLst meth="repeat">
+      <a:schemeClr val="accent1"/>
+    </dgm:fillClrLst>
+    <dgm:linClrLst meth="repeat">
+      <a:schemeClr val="accent1"/>
+    </dgm:linClrLst>
+    <dgm:effectClrLst/>
+    <dgm:txLinClrLst/>
+    <dgm:txFillClrLst meth="repeat">
+      <a:schemeClr val="tx1"/>
+    </dgm:txFillClrLst>
+    <dgm:txEffectClrLst/>
+  </dgm:styleLbl>
+  <dgm:styleLbl name="callout">
+    <dgm:fillClrLst meth="repeat">
+      <a:schemeClr val="accent1"/>
+    </dgm:fillClrLst>
+    <dgm:linClrLst meth="repeat">
+      <a:schemeClr val="accent1">
+        <a:tint val="50000"/>
+      </a:schemeClr>
+    </dgm:linClrLst>
+    <dgm:effectClrLst/>
+    <dgm:txLinClrLst/>
+    <dgm:txFillClrLst meth="repeat">
+      <a:schemeClr val="tx1"/>
+    </dgm:txFillClrLst>
+    <dgm:txEffectClrLst/>
+  </dgm:styleLbl>
+  <dgm:styleLbl name="asst0">
+    <dgm:fillClrLst meth="repeat">
+      <a:schemeClr val="accent1"/>
+    </dgm:fillClrLst>
+    <dgm:linClrLst meth="repeat">
+      <a:schemeClr val="lt1"/>
+    </dgm:linClrLst>
+    <dgm:effectClrLst/>
+    <dgm:txLinClrLst/>
+    <dgm:txFillClrLst/>
+    <dgm:txEffectClrLst/>
+  </dgm:styleLbl>
+  <dgm:styleLbl name="asst1">
+    <dgm:fillClrLst meth="repeat">
+      <a:schemeClr val="accent1"/>
+    </dgm:fillClrLst>
+    <dgm:linClrLst meth="repeat">
+      <a:schemeClr val="lt1"/>
+    </dgm:linClrLst>
+    <dgm:effectClrLst/>
+    <dgm:txLinClrLst/>
+    <dgm:txFillClrLst/>
+    <dgm:txEffectClrLst/>
+  </dgm:styleLbl>
+  <dgm:styleLbl name="asst2">
+    <dgm:fillClrLst meth="repeat">
+      <a:schemeClr val="accent1"/>
+    </dgm:fillClrLst>
+    <dgm:linClrLst meth="repeat">
+      <a:schemeClr val="lt1"/>
+    </dgm:linClrLst>
+    <dgm:effectClrLst/>
+    <dgm:txLinClrLst/>
+    <dgm:txFillClrLst/>
+    <dgm:txEffectClrLst/>
+  </dgm:styleLbl>
+  <dgm:styleLbl name="asst3">
+    <dgm:fillClrLst meth="repeat">
+      <a:schemeClr val="accent1"/>
+    </dgm:fillClrLst>
+    <dgm:linClrLst meth="repeat">
+      <a:schemeClr val="lt1"/>
+    </dgm:linClrLst>
+    <dgm:effectClrLst/>
+    <dgm:txLinClrLst/>
+    <dgm:txFillClrLst/>
+    <dgm:txEffectClrLst/>
+  </dgm:styleLbl>
+  <dgm:styleLbl name="asst4">
+    <dgm:fillClrLst meth="repeat">
+      <a:schemeClr val="accent1"/>
+    </dgm:fillClrLst>
+    <dgm:linClrLst meth="repeat">
+      <a:schemeClr val="lt1"/>
+    </dgm:linClrLst>
+    <dgm:effectClrLst/>
+    <dgm:txLinClrLst/>
+    <dgm:txFillClrLst/>
+    <dgm:txEffectClrLst/>
+  </dgm:styleLbl>
+  <dgm:styleLbl name="parChTrans2D1">
+    <dgm:fillClrLst meth="repeat">
+      <a:schemeClr val="accent1">
+        <a:tint val="60000"/>
+      </a:schemeClr>
+    </dgm:fillClrLst>
+    <dgm:linClrLst meth="repeat">
+      <a:schemeClr val="accent1">
+        <a:tint val="60000"/>
+      </a:schemeClr>
+    </dgm:linClrLst>
+    <dgm:effectClrLst/>
+    <dgm:txLinClrLst/>
+    <dgm:txFillClrLst meth="repeat">
+      <a:schemeClr val="lt1"/>
+    </dgm:txFillClrLst>
+    <dgm:txEffectClrLst/>
+  </dgm:styleLbl>
+  <dgm:styleLbl name="parChTrans2D2">
+    <dgm:fillClrLst meth="repeat">
+      <a:schemeClr val="accent1"/>
+    </dgm:fillClrLst>
+    <dgm:linClrLst meth="repeat">
+      <a:schemeClr val="accent1"/>
+    </dgm:linClrLst>
+    <dgm:effectClrLst/>
+    <dgm:txLinClrLst/>
+    <dgm:txFillClrLst meth="repeat">
+      <a:schemeClr val="lt1"/>
+    </dgm:txFillClrLst>
+    <dgm:txEffectClrLst/>
+  </dgm:styleLbl>
+  <dgm:styleLbl name="parChTrans2D3">
+    <dgm:fillClrLst meth="repeat">
+      <a:schemeClr val="accent1"/>
+    </dgm:fillClrLst>
+    <dgm:linClrLst meth="repeat">
+      <a:schemeClr val="accent1"/>
+    </dgm:linClrLst>
+    <dgm:effectClrLst/>
+    <dgm:txLinClrLst/>
+    <dgm:txFillClrLst meth="repeat">
+      <a:schemeClr val="lt1"/>
+    </dgm:txFillClrLst>
+    <dgm:txEffectClrLst/>
+  </dgm:styleLbl>
+  <dgm:styleLbl name="parChTrans2D4">
+    <dgm:fillClrLst meth="repeat">
+      <a:schemeClr val="accent1"/>
+    </dgm:fillClrLst>
+    <dgm:linClrLst meth="repeat">
+      <a:schemeClr val="accent1"/>
+    </dgm:linClrLst>
+    <dgm:effectClrLst/>
+    <dgm:txLinClrLst/>
+    <dgm:txFillClrLst meth="repeat">
+      <a:schemeClr val="lt1"/>
+    </dgm:txFillClrLst>
+    <dgm:txEffectClrLst/>
+  </dgm:styleLbl>
+  <dgm:styleLbl name="parChTrans1D1">
+    <dgm:fillClrLst meth="repeat">
+      <a:schemeClr val="accent1"/>
+    </dgm:fillClrLst>
+    <dgm:linClrLst meth="repeat">
+      <a:schemeClr val="accent1">
+        <a:shade val="60000"/>
+      </a:schemeClr>
+    </dgm:linClrLst>
+    <dgm:effectClrLst/>
+    <dgm:txLinClrLst/>
+    <dgm:txFillClrLst meth="repeat">
+      <a:schemeClr val="tx1"/>
+    </dgm:txFillClrLst>
+    <dgm:txEffectClrLst/>
+  </dgm:styleLbl>
+  <dgm:styleLbl name="parChTrans1D2">
+    <dgm:fillClrLst meth="repeat">
+      <a:schemeClr val="accent1"/>
+    </dgm:fillClrLst>
+    <dgm:linClrLst meth="repeat">
+      <a:schemeClr val="accent1">
+        <a:shade val="60000"/>
+      </a:schemeClr>
+    </dgm:linClrLst>
+    <dgm:effectClrLst/>
+    <dgm:txLinClrLst/>
+    <dgm:txFillClrLst meth="repeat">
+      <a:schemeClr val="tx1"/>
+    </dgm:txFillClrLst>
+    <dgm:txEffectClrLst/>
+  </dgm:styleLbl>
+  <dgm:styleLbl name="parChTrans1D3">
+    <dgm:fillClrLst meth="repeat">
+      <a:schemeClr val="accent1"/>
+    </dgm:fillClrLst>
+    <dgm:linClrLst meth="repeat">
+      <a:schemeClr val="accent1">
+        <a:shade val="80000"/>
+      </a:schemeClr>
+    </dgm:linClrLst>
+    <dgm:effectClrLst/>
+    <dgm:txLinClrLst/>
+    <dgm:txFillClrLst meth="repeat">
+      <a:schemeClr val="tx1"/>
+    </dgm:txFillClrLst>
+    <dgm:txEffectClrLst/>
+  </dgm:styleLbl>
+  <dgm:styleLbl name="parChTrans1D4">
+    <dgm:fillClrLst meth="repeat">
+      <a:schemeClr val="accent1"/>
+    </dgm:fillClrLst>
+    <dgm:linClrLst meth="repeat">
+      <a:schemeClr val="accent1">
+        <a:shade val="80000"/>
+      </a:schemeClr>
+    </dgm:linClrLst>
+    <dgm:effectClrLst/>
+    <dgm:txLinClrLst/>
+    <dgm:txFillClrLst meth="repeat">
+      <a:schemeClr val="tx1"/>
+    </dgm:txFillClrLst>
+    <dgm:txEffectClrLst/>
+  </dgm:styleLbl>
+  <dgm:styleLbl name="fgAcc1">
+    <dgm:fillClrLst meth="repeat">
+      <a:schemeClr val="lt1">
+        <a:alpha val="90000"/>
+      </a:schemeClr>
+    </dgm:fillClrLst>
+    <dgm:linClrLst meth="repeat">
+      <a:schemeClr val="accent1"/>
+    </dgm:linClrLst>
+    <dgm:effectClrLst/>
+    <dgm:txLinClrLst/>
+    <dgm:txFillClrLst meth="repeat">
+      <a:schemeClr val="dk1"/>
+    </dgm:txFillClrLst>
+    <dgm:txEffectClrLst/>
+  </dgm:styleLbl>
+  <dgm:styleLbl name="conFgAcc1">
+    <dgm:fillClrLst meth="repeat">
+      <a:schemeClr val="lt1">
+        <a:alpha val="90000"/>
+      </a:schemeClr>
+    </dgm:fillClrLst>
+    <dgm:linClrLst meth="repeat">
+      <a:schemeClr val="accent1"/>
+    </dgm:linClrLst>
+    <dgm:effectClrLst/>
+    <dgm:txLinClrLst/>
+    <dgm:txFillClrLst meth="repeat">
+      <a:schemeClr val="dk1"/>
+    </dgm:txFillClrLst>
+    <dgm:txEffectClrLst/>
+  </dgm:styleLbl>
+  <dgm:styleLbl name="alignAcc1">
+    <dgm:fillClrLst meth="repeat">
+      <a:schemeClr val="lt1">
+        <a:alpha val="90000"/>
+      </a:schemeClr>
+    </dgm:fillClrLst>
+    <dgm:linClrLst meth="repeat">
+      <a:schemeClr val="accent1"/>
+    </dgm:linClrLst>
+    <dgm:effectClrLst/>
+    <dgm:txLinClrLst/>
+    <dgm:txFillClrLst meth="repeat">
+      <a:schemeClr val="dk1"/>
+    </dgm:txFillClrLst>
+    <dgm:txEffectClrLst/>
+  </dgm:styleLbl>
+  <dgm:styleLbl name="trAlignAcc1">
+    <dgm:fillClrLst meth="repeat">
+      <a:schemeClr val="lt1">
+        <a:alpha val="40000"/>
+      </a:schemeClr>
+    </dgm:fillClrLst>
+    <dgm:linClrLst meth="repeat">
+      <a:schemeClr val="accent1"/>
+    </dgm:linClrLst>
+    <dgm:effectClrLst/>
+    <dgm:txLinClrLst/>
+    <dgm:txFillClrLst meth="repeat">
+      <a:schemeClr val="dk1"/>
+    </dgm:txFillClrLst>
+    <dgm:txEffectClrLst/>
+  </dgm:styleLbl>
+  <dgm:styleLbl name="bgAcc1">
+    <dgm:fillClrLst meth="repeat">
+      <a:schemeClr val="lt1">
+        <a:alpha val="90000"/>
+      </a:schemeClr>
+    </dgm:fillClrLst>
+    <dgm:linClrLst meth="repeat">
+      <a:schemeClr val="accent1"/>
+    </dgm:linClrLst>
+    <dgm:effectClrLst/>
+    <dgm:txLinClrLst/>
+    <dgm:txFillClrLst meth="repeat">
+      <a:schemeClr val="dk1"/>
+    </dgm:txFillClrLst>
+    <dgm:txEffectClrLst/>
+  </dgm:styleLbl>
+  <dgm:styleLbl name="solidFgAcc1">
+    <dgm:fillClrLst meth="repeat">
+      <a:schemeClr val="lt1"/>
+    </dgm:fillClrLst>
+    <dgm:linClrLst meth="repeat">
+      <a:schemeClr val="accent1"/>
+    </dgm:linClrLst>
+    <dgm:effectClrLst/>
+    <dgm:txLinClrLst/>
+    <dgm:txFillClrLst meth="repeat">
+      <a:schemeClr val="dk1"/>
+    </dgm:txFillClrLst>
+    <dgm:txEffectClrLst/>
+  </dgm:styleLbl>
+  <dgm:styleLbl name="solidAlignAcc1">
+    <dgm:fillClrLst meth="repeat">
+      <a:schemeClr val="lt1"/>
+    </dgm:fillClrLst>
+    <dgm:linClrLst meth="repeat">
+      <a:schemeClr val="accent1"/>
+    </dgm:linClrLst>
+    <dgm:effectClrLst/>
+    <dgm:txLinClrLst/>
+    <dgm:txFillClrLst meth="repeat">
+      <a:schemeClr val="dk1"/>
+    </dgm:txFillClrLst>
+    <dgm:txEffectClrLst/>
+  </dgm:styleLbl>
+  <dgm:styleLbl name="solidBgAcc1">
+    <dgm:fillClrLst meth="repeat">
+      <a:schemeClr val="lt1"/>
+    </dgm:fillClrLst>
+    <dgm:linClrLst meth="repeat">
+      <a:schemeClr val="accent1"/>
+    </dgm:linClrLst>
+    <dgm:effectClrLst/>
+    <dgm:txLinClrLst/>
+    <dgm:txFillClrLst meth="repeat">
+      <a:schemeClr val="dk1"/>
+    </dgm:txFillClrLst>
+    <dgm:txEffectClrLst/>
+  </dgm:styleLbl>
+  <dgm:styleLbl name="fgAccFollowNode1">
+    <dgm:fillClrLst meth="repeat">
+      <a:schemeClr val="accent1">
+        <a:alpha val="90000"/>
+        <a:tint val="40000"/>
+      </a:schemeClr>
+    </dgm:fillClrLst>
+    <dgm:linClrLst meth="repeat">
+      <a:schemeClr val="accent1">
+        <a:alpha val="90000"/>
+        <a:tint val="40000"/>
+      </a:schemeClr>
+    </dgm:linClrLst>
+    <dgm:effectClrLst/>
+    <dgm:txLinClrLst/>
+    <dgm:txFillClrLst meth="repeat">
+      <a:schemeClr val="dk1"/>
+    </dgm:txFillClrLst>
+    <dgm:txEffectClrLst/>
+  </dgm:styleLbl>
+  <dgm:styleLbl name="alignAccFollowNode1">
+    <dgm:fillClrLst meth="repeat">
+      <a:schemeClr val="accent1">
+        <a:alpha val="90000"/>
+        <a:tint val="40000"/>
+      </a:schemeClr>
+    </dgm:fillClrLst>
+    <dgm:linClrLst meth="repeat">
+      <a:schemeClr val="accent1">
+        <a:alpha val="90000"/>
+        <a:tint val="40000"/>
+      </a:schemeClr>
+    </dgm:linClrLst>
+    <dgm:effectClrLst/>
+    <dgm:txLinClrLst/>
+    <dgm:txFillClrLst meth="repeat">
+      <a:schemeClr val="dk1"/>
+    </dgm:txFillClrLst>
+    <dgm:txEffectClrLst/>
+  </dgm:styleLbl>
+  <dgm:styleLbl name="bgAccFollowNode1">
+    <dgm:fillClrLst meth="repeat">
+      <a:schemeClr val="accent1">
+        <a:alpha val="90000"/>
+        <a:tint val="40000"/>
+      </a:schemeClr>
+    </dgm:fillClrLst>
+    <dgm:linClrLst meth="repeat">
+      <a:schemeClr val="accent1">
+        <a:alpha val="90000"/>
+        <a:tint val="40000"/>
+      </a:schemeClr>
+    </dgm:linClrLst>
+    <dgm:effectClrLst/>
+    <dgm:txLinClrLst/>
+    <dgm:txFillClrLst meth="repeat">
+      <a:schemeClr val="dk1"/>
+    </dgm:txFillClrLst>
+    <dgm:txEffectClrLst/>
+  </dgm:styleLbl>
+  <dgm:styleLbl name="fgAcc0">
+    <dgm:fillClrLst meth="repeat">
+      <a:schemeClr val="lt1">
+        <a:alpha val="90000"/>
+      </a:schemeClr>
+    </dgm:fillClrLst>
+    <dgm:linClrLst meth="repeat">
+      <a:schemeClr val="accent1"/>
+    </dgm:linClrLst>
+    <dgm:effectClrLst/>
+    <dgm:txLinClrLst/>
+    <dgm:txFillClrLst meth="repeat">
+      <a:schemeClr val="dk1"/>
+    </dgm:txFillClrLst>
+    <dgm:txEffectClrLst/>
+  </dgm:styleLbl>
+  <dgm:styleLbl name="fgAcc2">
+    <dgm:fillClrLst meth="repeat">
+      <a:schemeClr val="lt1">
+        <a:alpha val="90000"/>
+      </a:schemeClr>
+    </dgm:fillClrLst>
+    <dgm:linClrLst meth="repeat">
+      <a:schemeClr val="accent1"/>
+    </dgm:linClrLst>
+    <dgm:effectClrLst/>
+    <dgm:txLinClrLst/>
+    <dgm:txFillClrLst meth="repeat">
+      <a:schemeClr val="dk1"/>
+    </dgm:txFillClrLst>
+    <dgm:txEffectClrLst/>
+  </dgm:styleLbl>
+  <dgm:styleLbl name="fgAcc3">
+    <dgm:fillClrLst meth="repeat">
+      <a:schemeClr val="lt1">
+        <a:alpha val="90000"/>
+      </a:schemeClr>
+    </dgm:fillClrLst>
+    <dgm:linClrLst meth="repeat">
+      <a:schemeClr val="accent1"/>
+    </dgm:linClrLst>
+    <dgm:effectClrLst/>
+    <dgm:txLinClrLst/>
+    <dgm:txFillClrLst meth="repeat">
+      <a:schemeClr val="dk1"/>
+    </dgm:txFillClrLst>
+    <dgm:txEffectClrLst/>
+  </dgm:styleLbl>
+  <dgm:styleLbl name="fgAcc4">
+    <dgm:fillClrLst meth="repeat">
+      <a:schemeClr val="lt1">
+        <a:alpha val="90000"/>
+      </a:schemeClr>
+    </dgm:fillClrLst>
+    <dgm:linClrLst meth="repeat">
+      <a:schemeClr val="accent1"/>
+    </dgm:linClrLst>
+    <dgm:effectClrLst/>
+    <dgm:txLinClrLst/>
+    <dgm:txFillClrLst meth="repeat">
+      <a:schemeClr val="dk1"/>
+    </dgm:txFillClrLst>
+    <dgm:txEffectClrLst/>
+  </dgm:styleLbl>
+  <dgm:styleLbl name="bgShp">
+    <dgm:fillClrLst meth="repeat">
+      <a:schemeClr val="accent1">
+        <a:tint val="40000"/>
+      </a:schemeClr>
+    </dgm:fillClrLst>
+    <dgm:linClrLst meth="repeat">
+      <a:schemeClr val="accent1"/>
+    </dgm:linClrLst>
+    <dgm:effectClrLst/>
+    <dgm:txLinClrLst/>
+    <dgm:txFillClrLst meth="repeat">
+      <a:schemeClr val="dk1"/>
+    </dgm:txFillClrLst>
+    <dgm:txEffectClrLst/>
+  </dgm:styleLbl>
+  <dgm:styleLbl name="dkBgShp">
+    <dgm:fillClrLst meth="repeat">
+      <a:schemeClr val="accent1">
+        <a:shade val="80000"/>
+      </a:schemeClr>
+    </dgm:fillClrLst>
+    <dgm:linClrLst meth="repeat">
+      <a:schemeClr val="accent1"/>
+    </dgm:linClrLst>
+    <dgm:effectClrLst/>
+    <dgm:txLinClrLst/>
+    <dgm:txFillClrLst meth="repeat">
+      <a:schemeClr val="lt1"/>
+    </dgm:txFillClrLst>
+    <dgm:txEffectClrLst/>
+  </dgm:styleLbl>
+  <dgm:styleLbl name="trBgShp">
+    <dgm:fillClrLst meth="repeat">
+      <a:schemeClr val="accent1">
+        <a:tint val="50000"/>
+        <a:alpha val="40000"/>
+      </a:schemeClr>
+    </dgm:fillClrLst>
+    <dgm:linClrLst meth="repeat">
+      <a:schemeClr val="accent1"/>
+    </dgm:linClrLst>
+    <dgm:effectClrLst/>
+    <dgm:txLinClrLst/>
+    <dgm:txFillClrLst meth="repeat">
+      <a:schemeClr val="lt1"/>
+    </dgm:txFillClrLst>
+    <dgm:txEffectClrLst/>
+  </dgm:styleLbl>
+  <dgm:styleLbl name="fgShp">
+    <dgm:fillClrLst meth="repeat">
+      <a:schemeClr val="accent1">
+        <a:tint val="60000"/>
+      </a:schemeClr>
+    </dgm:fillClrLst>
+    <dgm:linClrLst meth="repeat">
+      <a:schemeClr val="lt1"/>
+    </dgm:linClrLst>
+    <dgm:effectClrLst/>
+    <dgm:txLinClrLst/>
+    <dgm:txFillClrLst meth="repeat">
+      <a:schemeClr val="dk1"/>
+    </dgm:txFillClrLst>
+    <dgm:txEffectClrLst/>
+  </dgm:styleLbl>
+  <dgm:styleLbl name="revTx">
+    <dgm:fillClrLst meth="repeat">
+      <a:schemeClr val="lt1">
+        <a:alpha val="0"/>
+      </a:schemeClr>
+    </dgm:fillClrLst>
+    <dgm:linClrLst meth="repeat">
+      <a:schemeClr val="dk1">
+        <a:alpha val="0"/>
+      </a:schemeClr>
+    </dgm:linClrLst>
+    <dgm:effectClrLst/>
+    <dgm:txLinClrLst/>
+    <dgm:txFillClrLst meth="repeat">
+      <a:schemeClr val="tx1"/>
+    </dgm:txFillClrLst>
+    <dgm:txEffectClrLst/>
+  </dgm:styleLbl>
+</dgm:colorsDef>
+</file>
+
+<file path=ppt/diagrams/data1.xml><?xml version="1.0" encoding="utf-8"?>
+<dgm:dataModel xmlns:dgm="http://schemas.openxmlformats.org/drawingml/2006/diagram" xmlns:a="http://schemas.openxmlformats.org/drawingml/2006/main">
+  <dgm:ptLst>
+    <dgm:pt modelId="{2973357B-D668-4414-B070-D789897CCE68}" type="doc">
+      <dgm:prSet loTypeId="urn:microsoft.com/office/officeart/2005/8/layout/StepDownProcess" loCatId="process" qsTypeId="urn:microsoft.com/office/officeart/2005/8/quickstyle/simple1" qsCatId="simple" csTypeId="urn:microsoft.com/office/officeart/2005/8/colors/accent1_2" csCatId="accent1" phldr="1"/>
+      <dgm:spPr/>
+      <dgm:t>
+        <a:bodyPr/>
+        <a:lstStyle/>
+        <a:p>
+          <a:endParaRPr lang="de-DE"/>
+        </a:p>
+      </dgm:t>
+    </dgm:pt>
+    <dgm:pt modelId="{C203D0FC-92A4-4F4F-8A04-A1648FC319BF}">
+      <dgm:prSet phldrT="[Text]"/>
+      <dgm:spPr/>
+      <dgm:t>
+        <a:bodyPr/>
+        <a:lstStyle/>
+        <a:p>
+          <a:r>
+            <a:rPr lang="el-GR" smtClean="0"/>
+            <a:t>ψ</a:t>
+          </a:r>
+          <a:r>
+            <a:rPr lang="de-DE" smtClean="0"/>
+            <a:t>(</a:t>
+          </a:r>
+          <a:r>
+            <a:rPr lang="de-DE" b="1" smtClean="0"/>
+            <a:t>r</a:t>
+          </a:r>
+          <a:r>
+            <a:rPr lang="de-DE" baseline="-25000" smtClean="0"/>
+            <a:t>p</a:t>
+          </a:r>
+          <a:r>
+            <a:rPr lang="de-DE" smtClean="0"/>
+            <a:t>,</a:t>
+          </a:r>
+          <a:r>
+            <a:rPr lang="de-DE" b="1" smtClean="0"/>
+            <a:t>r</a:t>
+          </a:r>
+          <a:r>
+            <a:rPr lang="de-DE" baseline="-25000" smtClean="0"/>
+            <a:t>e</a:t>
+          </a:r>
+          <a:r>
+            <a:rPr lang="de-DE" smtClean="0"/>
+            <a:t>,t) = </a:t>
+          </a:r>
+          <a:r>
+            <a:rPr lang="el-GR" smtClean="0"/>
+            <a:t>ψ</a:t>
+          </a:r>
+          <a:r>
+            <a:rPr lang="de-DE" smtClean="0"/>
+            <a:t>(</a:t>
+          </a:r>
+          <a:r>
+            <a:rPr lang="de-DE" b="1" smtClean="0"/>
+            <a:t>r</a:t>
+          </a:r>
+          <a:r>
+            <a:rPr lang="de-DE" baseline="-25000" smtClean="0"/>
+            <a:t>p</a:t>
+          </a:r>
+          <a:r>
+            <a:rPr lang="de-DE" smtClean="0"/>
+            <a:t>,</a:t>
+          </a:r>
+          <a:r>
+            <a:rPr lang="de-DE" b="1" smtClean="0"/>
+            <a:t>r</a:t>
+          </a:r>
+          <a:r>
+            <a:rPr lang="de-DE" baseline="-25000" smtClean="0"/>
+            <a:t>e</a:t>
+          </a:r>
+          <a:r>
+            <a:rPr lang="de-DE" smtClean="0"/>
+            <a:t>)</a:t>
+          </a:r>
+          <a:r>
+            <a:rPr lang="de-DE" smtClean="0">
+              <a:latin typeface="Calibri"/>
+            </a:rPr>
+            <a:t>·</a:t>
+          </a:r>
+          <a:r>
+            <a:rPr lang="el-GR" smtClean="0"/>
+            <a:t>ψ</a:t>
+          </a:r>
+          <a:r>
+            <a:rPr lang="de-DE" smtClean="0"/>
+            <a:t>(t)</a:t>
+          </a:r>
+          <a:endParaRPr lang="de-DE"/>
+        </a:p>
+      </dgm:t>
+    </dgm:pt>
+    <dgm:pt modelId="{EF113EB9-3AE1-4F10-BC84-7F19F07BFCB2}" type="parTrans" cxnId="{0C1A2D10-719F-417F-9885-6098C420CCC7}">
+      <dgm:prSet/>
+      <dgm:spPr/>
+      <dgm:t>
+        <a:bodyPr/>
+        <a:lstStyle/>
+        <a:p>
+          <a:endParaRPr lang="de-DE"/>
+        </a:p>
+      </dgm:t>
+    </dgm:pt>
+    <dgm:pt modelId="{C60C2385-3FBE-44E5-AAC7-F98AF9D511BB}" type="sibTrans" cxnId="{0C1A2D10-719F-417F-9885-6098C420CCC7}">
+      <dgm:prSet/>
+      <dgm:spPr/>
+      <dgm:t>
+        <a:bodyPr/>
+        <a:lstStyle/>
+        <a:p>
+          <a:endParaRPr lang="de-DE"/>
+        </a:p>
+      </dgm:t>
+    </dgm:pt>
+    <dgm:pt modelId="{894C0A91-969D-41F4-ADB3-DC1EAC9D6FD5}">
+      <dgm:prSet phldrT="[Text]"/>
+      <dgm:spPr/>
+      <dgm:t>
+        <a:bodyPr/>
+        <a:lstStyle/>
+        <a:p>
+          <a:r>
+            <a:rPr lang="de-DE" smtClean="0"/>
+            <a:t>Separation in Zeit- und Ortsteile</a:t>
+          </a:r>
+          <a:endParaRPr lang="de-DE"/>
+        </a:p>
+      </dgm:t>
+    </dgm:pt>
+    <dgm:pt modelId="{99DD3F6D-B7F1-44D4-85FA-C314F469A53A}" type="parTrans" cxnId="{287FCACA-B23F-4748-9C8F-ACDCF71B3D22}">
+      <dgm:prSet/>
+      <dgm:spPr/>
+      <dgm:t>
+        <a:bodyPr/>
+        <a:lstStyle/>
+        <a:p>
+          <a:endParaRPr lang="de-DE"/>
+        </a:p>
+      </dgm:t>
+    </dgm:pt>
+    <dgm:pt modelId="{81A167A3-2435-4A80-A193-3CDE617DE388}" type="sibTrans" cxnId="{287FCACA-B23F-4748-9C8F-ACDCF71B3D22}">
+      <dgm:prSet/>
+      <dgm:spPr/>
+      <dgm:t>
+        <a:bodyPr/>
+        <a:lstStyle/>
+        <a:p>
+          <a:endParaRPr lang="de-DE"/>
+        </a:p>
+      </dgm:t>
+    </dgm:pt>
+    <dgm:pt modelId="{2DC6556E-507B-47BE-AA2E-3008B8340644}">
+      <dgm:prSet phldrT="[Text]"/>
+      <dgm:spPr/>
+      <dgm:t>
+        <a:bodyPr/>
+        <a:lstStyle/>
+        <a:p>
+          <a:r>
+            <a:rPr lang="el-GR" smtClean="0"/>
+            <a:t>ψ</a:t>
+          </a:r>
+          <a:r>
+            <a:rPr lang="de-DE" smtClean="0"/>
+            <a:t>(</a:t>
+          </a:r>
+          <a:r>
+            <a:rPr lang="de-DE" b="1" smtClean="0"/>
+            <a:t>r</a:t>
+          </a:r>
+          <a:r>
+            <a:rPr lang="de-DE" baseline="-25000" smtClean="0"/>
+            <a:t>p</a:t>
+          </a:r>
+          <a:r>
+            <a:rPr lang="de-DE" smtClean="0"/>
+            <a:t>,</a:t>
+          </a:r>
+          <a:r>
+            <a:rPr lang="de-DE" b="1" smtClean="0"/>
+            <a:t>r</a:t>
+          </a:r>
+          <a:r>
+            <a:rPr lang="de-DE" baseline="-25000" smtClean="0"/>
+            <a:t>e</a:t>
+          </a:r>
+          <a:r>
+            <a:rPr lang="de-DE" smtClean="0"/>
+            <a:t>) = </a:t>
+          </a:r>
+          <a:r>
+            <a:rPr lang="el-GR" smtClean="0"/>
+            <a:t>ψ</a:t>
+          </a:r>
+          <a:r>
+            <a:rPr lang="de-DE" smtClean="0"/>
+            <a:t>(</a:t>
+          </a:r>
+          <a:r>
+            <a:rPr lang="de-DE" b="1" smtClean="0"/>
+            <a:t>R</a:t>
+          </a:r>
+          <a:r>
+            <a:rPr lang="de-DE" smtClean="0"/>
+            <a:t>,</a:t>
+          </a:r>
+          <a:r>
+            <a:rPr lang="de-DE" b="1" smtClean="0"/>
+            <a:t>r</a:t>
+          </a:r>
+          <a:r>
+            <a:rPr lang="de-DE" smtClean="0"/>
+            <a:t>) = </a:t>
+          </a:r>
+          <a:r>
+            <a:rPr lang="el-GR" smtClean="0"/>
+            <a:t>ψ</a:t>
+          </a:r>
+          <a:r>
+            <a:rPr lang="de-DE" smtClean="0"/>
+            <a:t>(</a:t>
+          </a:r>
+          <a:r>
+            <a:rPr lang="de-DE" b="1" smtClean="0"/>
+            <a:t>R</a:t>
+          </a:r>
+          <a:r>
+            <a:rPr lang="de-DE" smtClean="0"/>
+            <a:t>)</a:t>
+          </a:r>
+          <a:r>
+            <a:rPr lang="de-DE" smtClean="0">
+              <a:latin typeface="Calibri"/>
+            </a:rPr>
+            <a:t>·</a:t>
+          </a:r>
+          <a:r>
+            <a:rPr lang="el-GR" smtClean="0"/>
+            <a:t>ψ</a:t>
+          </a:r>
+          <a:r>
+            <a:rPr lang="de-DE" smtClean="0"/>
+            <a:t>(</a:t>
+          </a:r>
+          <a:r>
+            <a:rPr lang="de-DE" b="1" smtClean="0"/>
+            <a:t>r</a:t>
+          </a:r>
+          <a:r>
+            <a:rPr lang="de-DE" smtClean="0"/>
+            <a:t>)</a:t>
+          </a:r>
+          <a:endParaRPr lang="de-DE"/>
+        </a:p>
+      </dgm:t>
+    </dgm:pt>
+    <dgm:pt modelId="{B5A5EC05-DD26-4F23-9A50-F58738E88215}" type="parTrans" cxnId="{D520F3E8-1429-4053-8F06-9C0D9ACF2A4B}">
+      <dgm:prSet/>
+      <dgm:spPr/>
+      <dgm:t>
+        <a:bodyPr/>
+        <a:lstStyle/>
+        <a:p>
+          <a:endParaRPr lang="de-DE"/>
+        </a:p>
+      </dgm:t>
+    </dgm:pt>
+    <dgm:pt modelId="{26F4CF00-3DDF-4E69-8902-21B97C16DC0D}" type="sibTrans" cxnId="{D520F3E8-1429-4053-8F06-9C0D9ACF2A4B}">
+      <dgm:prSet/>
+      <dgm:spPr/>
+      <dgm:t>
+        <a:bodyPr/>
+        <a:lstStyle/>
+        <a:p>
+          <a:endParaRPr lang="de-DE"/>
+        </a:p>
+      </dgm:t>
+    </dgm:pt>
+    <dgm:pt modelId="{022B4435-AA75-436A-B379-EB359DB493B1}">
+      <dgm:prSet phldrT="[Text]"/>
+      <dgm:spPr/>
+      <dgm:t>
+        <a:bodyPr/>
+        <a:lstStyle/>
+        <a:p>
+          <a:r>
+            <a:rPr lang="de-DE" smtClean="0"/>
+            <a:t>Transforation auf Schwerpunkt- und Relativkoordinaten</a:t>
+          </a:r>
+          <a:endParaRPr lang="de-DE"/>
+        </a:p>
+      </dgm:t>
+    </dgm:pt>
+    <dgm:pt modelId="{D7A10227-AA62-41C0-9E58-29AA58448BD5}" type="parTrans" cxnId="{9F8E11A1-9D12-40A7-89F1-BD683FEC556F}">
+      <dgm:prSet/>
+      <dgm:spPr/>
+      <dgm:t>
+        <a:bodyPr/>
+        <a:lstStyle/>
+        <a:p>
+          <a:endParaRPr lang="de-DE"/>
+        </a:p>
+      </dgm:t>
+    </dgm:pt>
+    <dgm:pt modelId="{6F393063-9AD6-425B-98BD-2D68B8F0987F}" type="sibTrans" cxnId="{9F8E11A1-9D12-40A7-89F1-BD683FEC556F}">
+      <dgm:prSet/>
+      <dgm:spPr/>
+      <dgm:t>
+        <a:bodyPr/>
+        <a:lstStyle/>
+        <a:p>
+          <a:endParaRPr lang="de-DE"/>
+        </a:p>
+      </dgm:t>
+    </dgm:pt>
+    <dgm:pt modelId="{762FDF59-09D3-412D-827D-64237CF750AD}">
+      <dgm:prSet phldrT="[Text]"/>
+      <dgm:spPr/>
+      <dgm:t>
+        <a:bodyPr/>
+        <a:lstStyle/>
+        <a:p>
+          <a:r>
+            <a:rPr lang="el-GR" smtClean="0"/>
+            <a:t>ψ</a:t>
+          </a:r>
+          <a:r>
+            <a:rPr lang="de-DE" smtClean="0"/>
+            <a:t>(</a:t>
+          </a:r>
+          <a:r>
+            <a:rPr lang="de-DE" b="1" smtClean="0"/>
+            <a:t>r</a:t>
+          </a:r>
+          <a:r>
+            <a:rPr lang="de-DE" smtClean="0"/>
+            <a:t>) = </a:t>
+          </a:r>
+          <a:r>
+            <a:rPr lang="el-GR" smtClean="0"/>
+            <a:t>ψ</a:t>
+          </a:r>
+          <a:r>
+            <a:rPr lang="de-DE" smtClean="0"/>
+            <a:t>(x,y,z) = </a:t>
+          </a:r>
+          <a:r>
+            <a:rPr lang="el-GR" smtClean="0"/>
+            <a:t>ψ</a:t>
+          </a:r>
+          <a:r>
+            <a:rPr lang="de-DE" smtClean="0"/>
+            <a:t>(r,</a:t>
+          </a:r>
+          <a:r>
+            <a:rPr lang="el-GR" smtClean="0">
+              <a:latin typeface="Calibri"/>
+            </a:rPr>
+            <a:t>ϑ</a:t>
+          </a:r>
+          <a:r>
+            <a:rPr lang="de-DE" smtClean="0">
+              <a:latin typeface="Calibri"/>
+            </a:rPr>
+            <a:t>,</a:t>
+          </a:r>
+          <a:r>
+            <a:rPr lang="el-GR" smtClean="0">
+              <a:latin typeface="Calibri"/>
+            </a:rPr>
+            <a:t>ϕ</a:t>
+          </a:r>
+          <a:r>
+            <a:rPr lang="de-DE" smtClean="0"/>
+            <a:t>) = </a:t>
+          </a:r>
+          <a:r>
+            <a:rPr lang="el-GR" smtClean="0"/>
+            <a:t>ψ</a:t>
+          </a:r>
+          <a:r>
+            <a:rPr lang="de-DE" smtClean="0"/>
+            <a:t>(r)</a:t>
+          </a:r>
+          <a:r>
+            <a:rPr lang="de-DE" smtClean="0">
+              <a:latin typeface="Calibri"/>
+            </a:rPr>
+            <a:t>·</a:t>
+          </a:r>
+          <a:r>
+            <a:rPr lang="el-GR" smtClean="0"/>
+            <a:t>ψ</a:t>
+          </a:r>
+          <a:r>
+            <a:rPr lang="de-DE" smtClean="0"/>
+            <a:t>(</a:t>
+          </a:r>
+          <a:r>
+            <a:rPr lang="el-GR" smtClean="0">
+              <a:latin typeface="Calibri"/>
+            </a:rPr>
+            <a:t>ϑ</a:t>
+          </a:r>
+          <a:r>
+            <a:rPr lang="de-DE" smtClean="0">
+              <a:latin typeface="Calibri"/>
+            </a:rPr>
+            <a:t>)·</a:t>
+          </a:r>
+          <a:r>
+            <a:rPr lang="el-GR" smtClean="0"/>
+            <a:t>ψ</a:t>
+          </a:r>
+          <a:r>
+            <a:rPr lang="de-DE" smtClean="0"/>
+            <a:t>(</a:t>
+          </a:r>
+          <a:r>
+            <a:rPr lang="el-GR" smtClean="0">
+              <a:latin typeface="Calibri"/>
+            </a:rPr>
+            <a:t>ϕ</a:t>
+          </a:r>
+          <a:r>
+            <a:rPr lang="de-DE" smtClean="0"/>
+            <a:t>)</a:t>
+          </a:r>
+          <a:endParaRPr lang="de-DE"/>
+        </a:p>
+      </dgm:t>
+    </dgm:pt>
+    <dgm:pt modelId="{8F47F8E8-3A42-405E-BF45-1F7234A4EB3F}" type="parTrans" cxnId="{D61A9FD7-AC73-4038-B9D4-E468723ABE74}">
+      <dgm:prSet/>
+      <dgm:spPr/>
+      <dgm:t>
+        <a:bodyPr/>
+        <a:lstStyle/>
+        <a:p>
+          <a:endParaRPr lang="de-DE"/>
+        </a:p>
+      </dgm:t>
+    </dgm:pt>
+    <dgm:pt modelId="{631966CC-483A-44BA-9591-00696FEC888F}" type="sibTrans" cxnId="{D61A9FD7-AC73-4038-B9D4-E468723ABE74}">
+      <dgm:prSet/>
+      <dgm:spPr/>
+      <dgm:t>
+        <a:bodyPr/>
+        <a:lstStyle/>
+        <a:p>
+          <a:endParaRPr lang="de-DE"/>
+        </a:p>
+      </dgm:t>
+    </dgm:pt>
+    <dgm:pt modelId="{11120678-2CA9-4CB7-B893-74E4225124D1}">
+      <dgm:prSet phldrT="[Text]"/>
+      <dgm:spPr/>
+      <dgm:t>
+        <a:bodyPr/>
+        <a:lstStyle/>
+        <a:p>
+          <a:r>
+            <a:rPr lang="de-DE" smtClean="0"/>
+            <a:t>Transformation des Relativteils auf Kugelkoordinaten</a:t>
+          </a:r>
+          <a:endParaRPr lang="de-DE"/>
+        </a:p>
+      </dgm:t>
+    </dgm:pt>
+    <dgm:pt modelId="{4476E1AA-22E9-4C10-A2AB-0F4002000785}" type="parTrans" cxnId="{8207A961-6E2B-4718-8562-159A8279A3C1}">
+      <dgm:prSet/>
+      <dgm:spPr/>
+      <dgm:t>
+        <a:bodyPr/>
+        <a:lstStyle/>
+        <a:p>
+          <a:endParaRPr lang="de-DE"/>
+        </a:p>
+      </dgm:t>
+    </dgm:pt>
+    <dgm:pt modelId="{BD64BBDF-02F9-49D5-9DD5-B6624A06C943}" type="sibTrans" cxnId="{8207A961-6E2B-4718-8562-159A8279A3C1}">
+      <dgm:prSet/>
+      <dgm:spPr/>
+      <dgm:t>
+        <a:bodyPr/>
+        <a:lstStyle/>
+        <a:p>
+          <a:endParaRPr lang="de-DE"/>
+        </a:p>
+      </dgm:t>
+    </dgm:pt>
+    <dgm:pt modelId="{47AD7243-107B-498F-9C0B-56D095B3EFA9}">
+      <dgm:prSet/>
+      <dgm:spPr/>
+      <dgm:t>
+        <a:bodyPr/>
+        <a:lstStyle/>
+        <a:p>
+          <a:r>
+            <a:rPr lang="de-DE" smtClean="0"/>
+            <a:t>wieder alles zusammen</a:t>
+          </a:r>
+          <a:br>
+            <a:rPr lang="de-DE" smtClean="0"/>
+          </a:br>
+          <a:r>
+            <a:rPr lang="el-GR" smtClean="0"/>
+            <a:t>ψ</a:t>
+          </a:r>
+          <a:r>
+            <a:rPr lang="de-DE" smtClean="0"/>
+            <a:t>(</a:t>
+          </a:r>
+          <a:r>
+            <a:rPr lang="de-DE" b="1" smtClean="0"/>
+            <a:t>R</a:t>
+          </a:r>
+          <a:r>
+            <a:rPr lang="de-DE" smtClean="0"/>
+            <a:t>,</a:t>
+          </a:r>
+          <a:r>
+            <a:rPr lang="de-DE" b="1" smtClean="0"/>
+            <a:t>r</a:t>
+          </a:r>
+          <a:r>
+            <a:rPr lang="de-DE" smtClean="0"/>
+            <a:t>,t) = </a:t>
+          </a:r>
+          <a:r>
+            <a:rPr lang="el-GR" smtClean="0"/>
+            <a:t>ψ</a:t>
+          </a:r>
+          <a:r>
+            <a:rPr lang="de-DE" smtClean="0"/>
+            <a:t>(</a:t>
+          </a:r>
+          <a:r>
+            <a:rPr lang="de-DE" b="1" smtClean="0"/>
+            <a:t>R</a:t>
+          </a:r>
+          <a:r>
+            <a:rPr lang="de-DE" smtClean="0"/>
+            <a:t>)</a:t>
+          </a:r>
+          <a:r>
+            <a:rPr lang="de-DE" smtClean="0">
+              <a:latin typeface="Calibri"/>
+            </a:rPr>
+            <a:t>·</a:t>
+          </a:r>
+          <a:r>
+            <a:rPr lang="el-GR" smtClean="0"/>
+            <a:t>ψ</a:t>
+          </a:r>
+          <a:r>
+            <a:rPr lang="de-DE" smtClean="0"/>
+            <a:t>(r)</a:t>
+          </a:r>
+          <a:r>
+            <a:rPr lang="de-DE" smtClean="0">
+              <a:latin typeface="Calibri"/>
+            </a:rPr>
+            <a:t>·</a:t>
+          </a:r>
+          <a:r>
+            <a:rPr lang="el-GR" smtClean="0"/>
+            <a:t>ψ</a:t>
+          </a:r>
+          <a:r>
+            <a:rPr lang="de-DE" smtClean="0"/>
+            <a:t>(</a:t>
+          </a:r>
+          <a:r>
+            <a:rPr lang="el-GR" smtClean="0">
+              <a:latin typeface="Calibri"/>
+            </a:rPr>
+            <a:t>ϑ</a:t>
+          </a:r>
+          <a:r>
+            <a:rPr lang="de-DE" smtClean="0">
+              <a:latin typeface="Calibri"/>
+            </a:rPr>
+            <a:t>)·</a:t>
+          </a:r>
+          <a:r>
+            <a:rPr lang="el-GR" smtClean="0"/>
+            <a:t>ψ</a:t>
+          </a:r>
+          <a:r>
+            <a:rPr lang="de-DE" smtClean="0"/>
+            <a:t>(</a:t>
+          </a:r>
+          <a:r>
+            <a:rPr lang="el-GR" smtClean="0">
+              <a:latin typeface="Calibri"/>
+            </a:rPr>
+            <a:t>ϕ</a:t>
+          </a:r>
+          <a:r>
+            <a:rPr lang="de-DE" smtClean="0"/>
+            <a:t>)</a:t>
+          </a:r>
+          <a:r>
+            <a:rPr lang="de-DE" smtClean="0">
+              <a:latin typeface="Calibri"/>
+            </a:rPr>
+            <a:t>·</a:t>
+          </a:r>
+          <a:r>
+            <a:rPr lang="el-GR" smtClean="0"/>
+            <a:t>ψ</a:t>
+          </a:r>
+          <a:r>
+            <a:rPr lang="de-DE" smtClean="0"/>
+            <a:t>(t)</a:t>
+          </a:r>
+          <a:endParaRPr lang="de-DE"/>
+        </a:p>
+      </dgm:t>
+    </dgm:pt>
+    <dgm:pt modelId="{3A2A8D25-0F4F-4783-B8E5-E2B6B53D6C4F}" type="parTrans" cxnId="{456022DF-51F2-40DC-B348-C4160CD327CA}">
+      <dgm:prSet/>
+      <dgm:spPr/>
+      <dgm:t>
+        <a:bodyPr/>
+        <a:lstStyle/>
+        <a:p>
+          <a:endParaRPr lang="de-DE"/>
+        </a:p>
+      </dgm:t>
+    </dgm:pt>
+    <dgm:pt modelId="{4E720FEC-90F9-43AF-B647-977333A0812D}" type="sibTrans" cxnId="{456022DF-51F2-40DC-B348-C4160CD327CA}">
+      <dgm:prSet/>
+      <dgm:spPr/>
+      <dgm:t>
+        <a:bodyPr/>
+        <a:lstStyle/>
+        <a:p>
+          <a:endParaRPr lang="de-DE"/>
+        </a:p>
+      </dgm:t>
+    </dgm:pt>
+    <dgm:pt modelId="{173F61ED-AF8A-4BDE-985E-813423DC80FD}">
+      <dgm:prSet phldrT="[Text]"/>
+      <dgm:spPr/>
+      <dgm:t>
+        <a:bodyPr/>
+        <a:lstStyle/>
+        <a:p>
+          <a:r>
+            <a:rPr lang="de-DE" smtClean="0"/>
+            <a:t>Separation in Schwerpunkt- und Relativteile</a:t>
+          </a:r>
+          <a:endParaRPr lang="de-DE"/>
+        </a:p>
+      </dgm:t>
+    </dgm:pt>
+    <dgm:pt modelId="{A77FE9C0-AAC6-4770-AB58-C70F4D49B6C4}" type="parTrans" cxnId="{9CF44F3B-E239-4775-8D7C-8F5D396F9C9E}">
+      <dgm:prSet/>
+      <dgm:spPr/>
+      <dgm:t>
+        <a:bodyPr/>
+        <a:lstStyle/>
+        <a:p>
+          <a:endParaRPr lang="de-DE"/>
+        </a:p>
+      </dgm:t>
+    </dgm:pt>
+    <dgm:pt modelId="{70E14215-1E09-473C-8485-6667BDE45598}" type="sibTrans" cxnId="{9CF44F3B-E239-4775-8D7C-8F5D396F9C9E}">
+      <dgm:prSet/>
+      <dgm:spPr/>
+      <dgm:t>
+        <a:bodyPr/>
+        <a:lstStyle/>
+        <a:p>
+          <a:endParaRPr lang="de-DE"/>
+        </a:p>
+      </dgm:t>
+    </dgm:pt>
+    <dgm:pt modelId="{AE86655C-BB0F-4FF0-9DC3-000D1E26AF38}">
+      <dgm:prSet phldrT="[Text]"/>
+      <dgm:spPr/>
+      <dgm:t>
+        <a:bodyPr/>
+        <a:lstStyle/>
+        <a:p>
+          <a:r>
+            <a:rPr lang="de-DE" smtClean="0"/>
+            <a:t>Separation in Radial- und Winkelteile</a:t>
+          </a:r>
+          <a:endParaRPr lang="de-DE"/>
+        </a:p>
+      </dgm:t>
+    </dgm:pt>
+    <dgm:pt modelId="{1E393FFF-677F-4B30-85BA-F103470E1A4A}" type="parTrans" cxnId="{4A4FDA0E-2A57-4DC2-9057-CBB1B4A90798}">
+      <dgm:prSet/>
+      <dgm:spPr/>
+      <dgm:t>
+        <a:bodyPr/>
+        <a:lstStyle/>
+        <a:p>
+          <a:endParaRPr lang="de-DE"/>
+        </a:p>
+      </dgm:t>
+    </dgm:pt>
+    <dgm:pt modelId="{48E38EE5-E58B-4CEC-A5D4-6BF08F351AA7}" type="sibTrans" cxnId="{4A4FDA0E-2A57-4DC2-9057-CBB1B4A90798}">
+      <dgm:prSet/>
+      <dgm:spPr/>
+      <dgm:t>
+        <a:bodyPr/>
+        <a:lstStyle/>
+        <a:p>
+          <a:endParaRPr lang="de-DE"/>
+        </a:p>
+      </dgm:t>
+    </dgm:pt>
+    <dgm:pt modelId="{4E4FA33D-C8B1-403A-B24A-C724B29C2D4F}" type="pres">
+      <dgm:prSet presAssocID="{2973357B-D668-4414-B070-D789897CCE68}" presName="rootnode" presStyleCnt="0">
+        <dgm:presLayoutVars>
+          <dgm:chMax/>
+          <dgm:chPref/>
+          <dgm:dir/>
+          <dgm:animLvl val="lvl"/>
+        </dgm:presLayoutVars>
+      </dgm:prSet>
+      <dgm:spPr/>
+    </dgm:pt>
+    <dgm:pt modelId="{E8674711-B294-4EFD-8D71-4FD33E416820}" type="pres">
+      <dgm:prSet presAssocID="{C203D0FC-92A4-4F4F-8A04-A1648FC319BF}" presName="composite" presStyleCnt="0"/>
+      <dgm:spPr/>
+    </dgm:pt>
+    <dgm:pt modelId="{12444289-7E2D-416E-9555-1D7CA556F2D6}" type="pres">
+      <dgm:prSet presAssocID="{C203D0FC-92A4-4F4F-8A04-A1648FC319BF}" presName="bentUpArrow1" presStyleLbl="alignImgPlace1" presStyleIdx="0" presStyleCnt="3"/>
+      <dgm:spPr/>
+    </dgm:pt>
+    <dgm:pt modelId="{3F260CE1-34B3-40F4-BCC3-971CB94FDE50}" type="pres">
+      <dgm:prSet presAssocID="{C203D0FC-92A4-4F4F-8A04-A1648FC319BF}" presName="ParentText" presStyleLbl="node1" presStyleIdx="0" presStyleCnt="4">
+        <dgm:presLayoutVars>
+          <dgm:chMax val="1"/>
+          <dgm:chPref val="1"/>
+          <dgm:bulletEnabled val="1"/>
+        </dgm:presLayoutVars>
+      </dgm:prSet>
+      <dgm:spPr/>
+      <dgm:t>
+        <a:bodyPr/>
+        <a:lstStyle/>
+        <a:p>
+          <a:endParaRPr lang="de-DE"/>
+        </a:p>
+      </dgm:t>
+    </dgm:pt>
+    <dgm:pt modelId="{98735B6C-DCED-4530-B498-ADF196E051C9}" type="pres">
+      <dgm:prSet presAssocID="{C203D0FC-92A4-4F4F-8A04-A1648FC319BF}" presName="ChildText" presStyleLbl="revTx" presStyleIdx="0" presStyleCnt="3">
+        <dgm:presLayoutVars>
+          <dgm:chMax val="0"/>
+          <dgm:chPref val="0"/>
+          <dgm:bulletEnabled val="1"/>
+        </dgm:presLayoutVars>
+      </dgm:prSet>
+      <dgm:spPr/>
+      <dgm:t>
+        <a:bodyPr/>
+        <a:lstStyle/>
+        <a:p>
+          <a:endParaRPr lang="de-DE"/>
+        </a:p>
+      </dgm:t>
+    </dgm:pt>
+    <dgm:pt modelId="{64CE4E96-8DAD-4712-84B6-8DB8A49B49DE}" type="pres">
+      <dgm:prSet presAssocID="{C60C2385-3FBE-44E5-AAC7-F98AF9D511BB}" presName="sibTrans" presStyleCnt="0"/>
+      <dgm:spPr/>
+    </dgm:pt>
+    <dgm:pt modelId="{3DE7CC69-95ED-482A-8EA3-DDAB26DDB36E}" type="pres">
+      <dgm:prSet presAssocID="{2DC6556E-507B-47BE-AA2E-3008B8340644}" presName="composite" presStyleCnt="0"/>
+      <dgm:spPr/>
+    </dgm:pt>
+    <dgm:pt modelId="{1587E2FF-B17B-45A6-B18E-26B3C6C929A2}" type="pres">
+      <dgm:prSet presAssocID="{2DC6556E-507B-47BE-AA2E-3008B8340644}" presName="bentUpArrow1" presStyleLbl="alignImgPlace1" presStyleIdx="1" presStyleCnt="3"/>
+      <dgm:spPr/>
+    </dgm:pt>
+    <dgm:pt modelId="{8FD736DE-6BED-4D01-B3FC-6EF1D9ED3B6B}" type="pres">
+      <dgm:prSet presAssocID="{2DC6556E-507B-47BE-AA2E-3008B8340644}" presName="ParentText" presStyleLbl="node1" presStyleIdx="1" presStyleCnt="4">
+        <dgm:presLayoutVars>
+          <dgm:chMax val="1"/>
+          <dgm:chPref val="1"/>
+          <dgm:bulletEnabled val="1"/>
+        </dgm:presLayoutVars>
+      </dgm:prSet>
+      <dgm:spPr/>
+      <dgm:t>
+        <a:bodyPr/>
+        <a:lstStyle/>
+        <a:p>
+          <a:endParaRPr lang="de-DE"/>
+        </a:p>
+      </dgm:t>
+    </dgm:pt>
+    <dgm:pt modelId="{B0304F72-A8B0-4C89-8C6D-CAB8355A1E0C}" type="pres">
+      <dgm:prSet presAssocID="{2DC6556E-507B-47BE-AA2E-3008B8340644}" presName="ChildText" presStyleLbl="revTx" presStyleIdx="1" presStyleCnt="3">
+        <dgm:presLayoutVars>
+          <dgm:chMax val="0"/>
+          <dgm:chPref val="0"/>
+          <dgm:bulletEnabled val="1"/>
+        </dgm:presLayoutVars>
+      </dgm:prSet>
+      <dgm:spPr/>
+      <dgm:t>
+        <a:bodyPr/>
+        <a:lstStyle/>
+        <a:p>
+          <a:endParaRPr lang="de-DE"/>
+        </a:p>
+      </dgm:t>
+    </dgm:pt>
+    <dgm:pt modelId="{5A4DD5FA-AAB5-4102-8450-BDCD3FC01CA9}" type="pres">
+      <dgm:prSet presAssocID="{26F4CF00-3DDF-4E69-8902-21B97C16DC0D}" presName="sibTrans" presStyleCnt="0"/>
+      <dgm:spPr/>
+    </dgm:pt>
+    <dgm:pt modelId="{4E1F38EE-D927-4819-9BED-F4F07128EDA4}" type="pres">
+      <dgm:prSet presAssocID="{762FDF59-09D3-412D-827D-64237CF750AD}" presName="composite" presStyleCnt="0"/>
+      <dgm:spPr/>
+    </dgm:pt>
+    <dgm:pt modelId="{72C98601-9C00-42BC-A3EF-D0698FD65C58}" type="pres">
+      <dgm:prSet presAssocID="{762FDF59-09D3-412D-827D-64237CF750AD}" presName="bentUpArrow1" presStyleLbl="alignImgPlace1" presStyleIdx="2" presStyleCnt="3"/>
+      <dgm:spPr/>
+    </dgm:pt>
+    <dgm:pt modelId="{F4711837-5C6C-495C-811A-044D741532AC}" type="pres">
+      <dgm:prSet presAssocID="{762FDF59-09D3-412D-827D-64237CF750AD}" presName="ParentText" presStyleLbl="node1" presStyleIdx="2" presStyleCnt="4">
+        <dgm:presLayoutVars>
+          <dgm:chMax val="1"/>
+          <dgm:chPref val="1"/>
+          <dgm:bulletEnabled val="1"/>
+        </dgm:presLayoutVars>
+      </dgm:prSet>
+      <dgm:spPr/>
+      <dgm:t>
+        <a:bodyPr/>
+        <a:lstStyle/>
+        <a:p>
+          <a:endParaRPr lang="de-DE"/>
+        </a:p>
+      </dgm:t>
+    </dgm:pt>
+    <dgm:pt modelId="{765C75B3-618A-437C-ACAC-1821724D50B2}" type="pres">
+      <dgm:prSet presAssocID="{762FDF59-09D3-412D-827D-64237CF750AD}" presName="ChildText" presStyleLbl="revTx" presStyleIdx="2" presStyleCnt="3">
+        <dgm:presLayoutVars>
+          <dgm:chMax val="0"/>
+          <dgm:chPref val="0"/>
+          <dgm:bulletEnabled val="1"/>
+        </dgm:presLayoutVars>
+      </dgm:prSet>
+      <dgm:spPr/>
+      <dgm:t>
+        <a:bodyPr/>
+        <a:lstStyle/>
+        <a:p>
+          <a:endParaRPr lang="de-DE"/>
+        </a:p>
+      </dgm:t>
+    </dgm:pt>
+    <dgm:pt modelId="{F72FF92B-ED2C-4ECB-99AB-BA11AAAE1852}" type="pres">
+      <dgm:prSet presAssocID="{631966CC-483A-44BA-9591-00696FEC888F}" presName="sibTrans" presStyleCnt="0"/>
+      <dgm:spPr/>
+    </dgm:pt>
+    <dgm:pt modelId="{776CD01E-0E2F-4ECD-8936-F34099A2E476}" type="pres">
+      <dgm:prSet presAssocID="{47AD7243-107B-498F-9C0B-56D095B3EFA9}" presName="composite" presStyleCnt="0"/>
+      <dgm:spPr/>
+    </dgm:pt>
+    <dgm:pt modelId="{E1397BAB-1C40-4369-A127-8542E016418D}" type="pres">
+      <dgm:prSet presAssocID="{47AD7243-107B-498F-9C0B-56D095B3EFA9}" presName="ParentText" presStyleLbl="node1" presStyleIdx="3" presStyleCnt="4">
+        <dgm:presLayoutVars>
+          <dgm:chMax val="1"/>
+          <dgm:chPref val="1"/>
+          <dgm:bulletEnabled val="1"/>
+        </dgm:presLayoutVars>
+      </dgm:prSet>
+      <dgm:spPr/>
+      <dgm:t>
+        <a:bodyPr/>
+        <a:lstStyle/>
+        <a:p>
+          <a:endParaRPr lang="de-DE"/>
+        </a:p>
+      </dgm:t>
+    </dgm:pt>
+  </dgm:ptLst>
+  <dgm:cxnLst>
+    <dgm:cxn modelId="{4569BCA7-AC43-4CCF-9337-C6DCDBFBA72E}" type="presOf" srcId="{47AD7243-107B-498F-9C0B-56D095B3EFA9}" destId="{E1397BAB-1C40-4369-A127-8542E016418D}" srcOrd="0" destOrd="0" presId="urn:microsoft.com/office/officeart/2005/8/layout/StepDownProcess"/>
+    <dgm:cxn modelId="{4A4FDA0E-2A57-4DC2-9057-CBB1B4A90798}" srcId="{762FDF59-09D3-412D-827D-64237CF750AD}" destId="{AE86655C-BB0F-4FF0-9DC3-000D1E26AF38}" srcOrd="1" destOrd="0" parTransId="{1E393FFF-677F-4B30-85BA-F103470E1A4A}" sibTransId="{48E38EE5-E58B-4CEC-A5D4-6BF08F351AA7}"/>
+    <dgm:cxn modelId="{EDE42068-97E6-470D-8579-EB02C951C2AE}" type="presOf" srcId="{C203D0FC-92A4-4F4F-8A04-A1648FC319BF}" destId="{3F260CE1-34B3-40F4-BCC3-971CB94FDE50}" srcOrd="0" destOrd="0" presId="urn:microsoft.com/office/officeart/2005/8/layout/StepDownProcess"/>
+    <dgm:cxn modelId="{BCC2572E-8AFD-47F3-805F-4BC6B6249AB3}" type="presOf" srcId="{11120678-2CA9-4CB7-B893-74E4225124D1}" destId="{765C75B3-618A-437C-ACAC-1821724D50B2}" srcOrd="0" destOrd="0" presId="urn:microsoft.com/office/officeart/2005/8/layout/StepDownProcess"/>
+    <dgm:cxn modelId="{456022DF-51F2-40DC-B348-C4160CD327CA}" srcId="{2973357B-D668-4414-B070-D789897CCE68}" destId="{47AD7243-107B-498F-9C0B-56D095B3EFA9}" srcOrd="3" destOrd="0" parTransId="{3A2A8D25-0F4F-4783-B8E5-E2B6B53D6C4F}" sibTransId="{4E720FEC-90F9-43AF-B647-977333A0812D}"/>
+    <dgm:cxn modelId="{8207A961-6E2B-4718-8562-159A8279A3C1}" srcId="{762FDF59-09D3-412D-827D-64237CF750AD}" destId="{11120678-2CA9-4CB7-B893-74E4225124D1}" srcOrd="0" destOrd="0" parTransId="{4476E1AA-22E9-4C10-A2AB-0F4002000785}" sibTransId="{BD64BBDF-02F9-49D5-9DD5-B6624A06C943}"/>
+    <dgm:cxn modelId="{287FCACA-B23F-4748-9C8F-ACDCF71B3D22}" srcId="{C203D0FC-92A4-4F4F-8A04-A1648FC319BF}" destId="{894C0A91-969D-41F4-ADB3-DC1EAC9D6FD5}" srcOrd="0" destOrd="0" parTransId="{99DD3F6D-B7F1-44D4-85FA-C314F469A53A}" sibTransId="{81A167A3-2435-4A80-A193-3CDE617DE388}"/>
+    <dgm:cxn modelId="{D61A9FD7-AC73-4038-B9D4-E468723ABE74}" srcId="{2973357B-D668-4414-B070-D789897CCE68}" destId="{762FDF59-09D3-412D-827D-64237CF750AD}" srcOrd="2" destOrd="0" parTransId="{8F47F8E8-3A42-405E-BF45-1F7234A4EB3F}" sibTransId="{631966CC-483A-44BA-9591-00696FEC888F}"/>
+    <dgm:cxn modelId="{C402170A-8EC4-4DC2-8485-9537EC5673AC}" type="presOf" srcId="{2973357B-D668-4414-B070-D789897CCE68}" destId="{4E4FA33D-C8B1-403A-B24A-C724B29C2D4F}" srcOrd="0" destOrd="0" presId="urn:microsoft.com/office/officeart/2005/8/layout/StepDownProcess"/>
+    <dgm:cxn modelId="{0C1A2D10-719F-417F-9885-6098C420CCC7}" srcId="{2973357B-D668-4414-B070-D789897CCE68}" destId="{C203D0FC-92A4-4F4F-8A04-A1648FC319BF}" srcOrd="0" destOrd="0" parTransId="{EF113EB9-3AE1-4F10-BC84-7F19F07BFCB2}" sibTransId="{C60C2385-3FBE-44E5-AAC7-F98AF9D511BB}"/>
+    <dgm:cxn modelId="{9CF44F3B-E239-4775-8D7C-8F5D396F9C9E}" srcId="{2DC6556E-507B-47BE-AA2E-3008B8340644}" destId="{173F61ED-AF8A-4BDE-985E-813423DC80FD}" srcOrd="1" destOrd="0" parTransId="{A77FE9C0-AAC6-4770-AB58-C70F4D49B6C4}" sibTransId="{70E14215-1E09-473C-8485-6667BDE45598}"/>
+    <dgm:cxn modelId="{9F8E11A1-9D12-40A7-89F1-BD683FEC556F}" srcId="{2DC6556E-507B-47BE-AA2E-3008B8340644}" destId="{022B4435-AA75-436A-B379-EB359DB493B1}" srcOrd="0" destOrd="0" parTransId="{D7A10227-AA62-41C0-9E58-29AA58448BD5}" sibTransId="{6F393063-9AD6-425B-98BD-2D68B8F0987F}"/>
+    <dgm:cxn modelId="{DABBBC79-D1C1-446A-BAA4-448AD1F5397F}" type="presOf" srcId="{022B4435-AA75-436A-B379-EB359DB493B1}" destId="{B0304F72-A8B0-4C89-8C6D-CAB8355A1E0C}" srcOrd="0" destOrd="0" presId="urn:microsoft.com/office/officeart/2005/8/layout/StepDownProcess"/>
+    <dgm:cxn modelId="{703BE27F-56C8-49BC-A534-B02E729A280F}" type="presOf" srcId="{173F61ED-AF8A-4BDE-985E-813423DC80FD}" destId="{B0304F72-A8B0-4C89-8C6D-CAB8355A1E0C}" srcOrd="0" destOrd="1" presId="urn:microsoft.com/office/officeart/2005/8/layout/StepDownProcess"/>
+    <dgm:cxn modelId="{DD22CB83-0B78-4863-AD91-5F0F75032DE5}" type="presOf" srcId="{762FDF59-09D3-412D-827D-64237CF750AD}" destId="{F4711837-5C6C-495C-811A-044D741532AC}" srcOrd="0" destOrd="0" presId="urn:microsoft.com/office/officeart/2005/8/layout/StepDownProcess"/>
+    <dgm:cxn modelId="{D520F3E8-1429-4053-8F06-9C0D9ACF2A4B}" srcId="{2973357B-D668-4414-B070-D789897CCE68}" destId="{2DC6556E-507B-47BE-AA2E-3008B8340644}" srcOrd="1" destOrd="0" parTransId="{B5A5EC05-DD26-4F23-9A50-F58738E88215}" sibTransId="{26F4CF00-3DDF-4E69-8902-21B97C16DC0D}"/>
+    <dgm:cxn modelId="{B1BFD550-BD34-40D4-828E-ED66CE36B747}" type="presOf" srcId="{894C0A91-969D-41F4-ADB3-DC1EAC9D6FD5}" destId="{98735B6C-DCED-4530-B498-ADF196E051C9}" srcOrd="0" destOrd="0" presId="urn:microsoft.com/office/officeart/2005/8/layout/StepDownProcess"/>
+    <dgm:cxn modelId="{3E0D81F8-45B8-4439-B0A3-9A0D1639932F}" type="presOf" srcId="{2DC6556E-507B-47BE-AA2E-3008B8340644}" destId="{8FD736DE-6BED-4D01-B3FC-6EF1D9ED3B6B}" srcOrd="0" destOrd="0" presId="urn:microsoft.com/office/officeart/2005/8/layout/StepDownProcess"/>
+    <dgm:cxn modelId="{601B164A-6CAC-4B5E-82C5-CE89AC3D146F}" type="presOf" srcId="{AE86655C-BB0F-4FF0-9DC3-000D1E26AF38}" destId="{765C75B3-618A-437C-ACAC-1821724D50B2}" srcOrd="0" destOrd="1" presId="urn:microsoft.com/office/officeart/2005/8/layout/StepDownProcess"/>
+    <dgm:cxn modelId="{C541A9A5-26C5-4566-BDE7-C85F9926A17C}" type="presParOf" srcId="{4E4FA33D-C8B1-403A-B24A-C724B29C2D4F}" destId="{E8674711-B294-4EFD-8D71-4FD33E416820}" srcOrd="0" destOrd="0" presId="urn:microsoft.com/office/officeart/2005/8/layout/StepDownProcess"/>
+    <dgm:cxn modelId="{A3CD6334-8895-4978-AFC8-B12A76138541}" type="presParOf" srcId="{E8674711-B294-4EFD-8D71-4FD33E416820}" destId="{12444289-7E2D-416E-9555-1D7CA556F2D6}" srcOrd="0" destOrd="0" presId="urn:microsoft.com/office/officeart/2005/8/layout/StepDownProcess"/>
+    <dgm:cxn modelId="{49584169-6CE3-4EE0-9FA1-1B0562974133}" type="presParOf" srcId="{E8674711-B294-4EFD-8D71-4FD33E416820}" destId="{3F260CE1-34B3-40F4-BCC3-971CB94FDE50}" srcOrd="1" destOrd="0" presId="urn:microsoft.com/office/officeart/2005/8/layout/StepDownProcess"/>
+    <dgm:cxn modelId="{418106E2-5516-43DC-AEEA-706004857F5D}" type="presParOf" srcId="{E8674711-B294-4EFD-8D71-4FD33E416820}" destId="{98735B6C-DCED-4530-B498-ADF196E051C9}" srcOrd="2" destOrd="0" presId="urn:microsoft.com/office/officeart/2005/8/layout/StepDownProcess"/>
+    <dgm:cxn modelId="{B3905898-381D-4C30-AB39-64ABF0AE53E1}" type="presParOf" srcId="{4E4FA33D-C8B1-403A-B24A-C724B29C2D4F}" destId="{64CE4E96-8DAD-4712-84B6-8DB8A49B49DE}" srcOrd="1" destOrd="0" presId="urn:microsoft.com/office/officeart/2005/8/layout/StepDownProcess"/>
+    <dgm:cxn modelId="{3CF75844-872F-459F-A4CD-479C9F5635D0}" type="presParOf" srcId="{4E4FA33D-C8B1-403A-B24A-C724B29C2D4F}" destId="{3DE7CC69-95ED-482A-8EA3-DDAB26DDB36E}" srcOrd="2" destOrd="0" presId="urn:microsoft.com/office/officeart/2005/8/layout/StepDownProcess"/>
+    <dgm:cxn modelId="{2AB144D0-25B2-44AF-9473-687BD33CF1CE}" type="presParOf" srcId="{3DE7CC69-95ED-482A-8EA3-DDAB26DDB36E}" destId="{1587E2FF-B17B-45A6-B18E-26B3C6C929A2}" srcOrd="0" destOrd="0" presId="urn:microsoft.com/office/officeart/2005/8/layout/StepDownProcess"/>
+    <dgm:cxn modelId="{557E7A36-F2DF-4187-B5FC-FFCA2262DB39}" type="presParOf" srcId="{3DE7CC69-95ED-482A-8EA3-DDAB26DDB36E}" destId="{8FD736DE-6BED-4D01-B3FC-6EF1D9ED3B6B}" srcOrd="1" destOrd="0" presId="urn:microsoft.com/office/officeart/2005/8/layout/StepDownProcess"/>
+    <dgm:cxn modelId="{0A654DD2-8711-419C-BD20-674F26A0C159}" type="presParOf" srcId="{3DE7CC69-95ED-482A-8EA3-DDAB26DDB36E}" destId="{B0304F72-A8B0-4C89-8C6D-CAB8355A1E0C}" srcOrd="2" destOrd="0" presId="urn:microsoft.com/office/officeart/2005/8/layout/StepDownProcess"/>
+    <dgm:cxn modelId="{433471B0-95AD-407F-8DCC-4BD729C382A4}" type="presParOf" srcId="{4E4FA33D-C8B1-403A-B24A-C724B29C2D4F}" destId="{5A4DD5FA-AAB5-4102-8450-BDCD3FC01CA9}" srcOrd="3" destOrd="0" presId="urn:microsoft.com/office/officeart/2005/8/layout/StepDownProcess"/>
+    <dgm:cxn modelId="{22393044-A6CE-43E4-9B24-F39926A8ACF2}" type="presParOf" srcId="{4E4FA33D-C8B1-403A-B24A-C724B29C2D4F}" destId="{4E1F38EE-D927-4819-9BED-F4F07128EDA4}" srcOrd="4" destOrd="0" presId="urn:microsoft.com/office/officeart/2005/8/layout/StepDownProcess"/>
+    <dgm:cxn modelId="{713BC53A-969B-4B05-8E77-5300912B723E}" type="presParOf" srcId="{4E1F38EE-D927-4819-9BED-F4F07128EDA4}" destId="{72C98601-9C00-42BC-A3EF-D0698FD65C58}" srcOrd="0" destOrd="0" presId="urn:microsoft.com/office/officeart/2005/8/layout/StepDownProcess"/>
+    <dgm:cxn modelId="{13C713F9-1D90-4598-9AF4-9FD16BB07D21}" type="presParOf" srcId="{4E1F38EE-D927-4819-9BED-F4F07128EDA4}" destId="{F4711837-5C6C-495C-811A-044D741532AC}" srcOrd="1" destOrd="0" presId="urn:microsoft.com/office/officeart/2005/8/layout/StepDownProcess"/>
+    <dgm:cxn modelId="{51E24C04-8D71-423A-8613-3134BADD0B65}" type="presParOf" srcId="{4E1F38EE-D927-4819-9BED-F4F07128EDA4}" destId="{765C75B3-618A-437C-ACAC-1821724D50B2}" srcOrd="2" destOrd="0" presId="urn:microsoft.com/office/officeart/2005/8/layout/StepDownProcess"/>
+    <dgm:cxn modelId="{FFC1B175-6FD2-49CC-A9AC-A55CCDA84F13}" type="presParOf" srcId="{4E4FA33D-C8B1-403A-B24A-C724B29C2D4F}" destId="{F72FF92B-ED2C-4ECB-99AB-BA11AAAE1852}" srcOrd="5" destOrd="0" presId="urn:microsoft.com/office/officeart/2005/8/layout/StepDownProcess"/>
+    <dgm:cxn modelId="{A2AAB55B-281E-4C41-BFA4-537EEC502130}" type="presParOf" srcId="{4E4FA33D-C8B1-403A-B24A-C724B29C2D4F}" destId="{776CD01E-0E2F-4ECD-8936-F34099A2E476}" srcOrd="6" destOrd="0" presId="urn:microsoft.com/office/officeart/2005/8/layout/StepDownProcess"/>
+    <dgm:cxn modelId="{4DA90DBD-442E-43D8-A6A8-25F3A4F199DF}" type="presParOf" srcId="{776CD01E-0E2F-4ECD-8936-F34099A2E476}" destId="{E1397BAB-1C40-4369-A127-8542E016418D}" srcOrd="0" destOrd="0" presId="urn:microsoft.com/office/officeart/2005/8/layout/StepDownProcess"/>
+  </dgm:cxnLst>
+  <dgm:bg/>
+  <dgm:whole/>
+  <dgm:extLst>
+    <a:ext uri="http://schemas.microsoft.com/office/drawing/2008/diagram">
+      <dsp:dataModelExt xmlns:dsp="http://schemas.microsoft.com/office/drawing/2008/diagram" relId="rId6" minVer="http://schemas.openxmlformats.org/drawingml/2006/diagram"/>
+    </a:ext>
+  </dgm:extLst>
+</dgm:dataModel>
+</file>
+
+<file path=ppt/diagrams/drawing1.xml><?xml version="1.0" encoding="utf-8"?>
+<dsp:drawing xmlns:dgm="http://schemas.openxmlformats.org/drawingml/2006/diagram" xmlns:dsp="http://schemas.microsoft.com/office/drawing/2008/diagram" xmlns:a="http://schemas.openxmlformats.org/drawingml/2006/main">
+  <dsp:spTree>
+    <dsp:nvGrpSpPr>
+      <dsp:cNvPr id="0" name=""/>
+      <dsp:cNvGrpSpPr/>
+    </dsp:nvGrpSpPr>
+    <dsp:grpSpPr/>
+    <dsp:sp modelId="{12444289-7E2D-416E-9555-1D7CA556F2D6}">
+      <dsp:nvSpPr>
+        <dsp:cNvPr id="0" name=""/>
+        <dsp:cNvSpPr/>
+      </dsp:nvSpPr>
+      <dsp:spPr>
+        <a:xfrm rot="5400000">
+          <a:off x="1068177" y="1494069"/>
+          <a:ext cx="1312117" cy="1493799"/>
+        </a:xfrm>
+        <a:prstGeom prst="bentUpArrow">
+          <a:avLst>
+            <a:gd name="adj1" fmla="val 32840"/>
+            <a:gd name="adj2" fmla="val 25000"/>
+            <a:gd name="adj3" fmla="val 35780"/>
+          </a:avLst>
+        </a:prstGeom>
+        <a:solidFill>
+          <a:schemeClr val="accent1">
+            <a:tint val="50000"/>
+            <a:hueOff val="0"/>
+            <a:satOff val="0"/>
+            <a:lumOff val="0"/>
+            <a:alphaOff val="0"/>
+          </a:schemeClr>
+        </a:solidFill>
+        <a:ln w="25400" cap="flat" cmpd="sng" algn="ctr">
+          <a:solidFill>
+            <a:schemeClr val="lt1">
+              <a:hueOff val="0"/>
+              <a:satOff val="0"/>
+              <a:lumOff val="0"/>
+              <a:alphaOff val="0"/>
+            </a:schemeClr>
+          </a:solidFill>
+          <a:prstDash val="solid"/>
+        </a:ln>
+        <a:effectLst/>
+      </dsp:spPr>
+      <dsp:style>
+        <a:lnRef idx="2">
+          <a:scrgbClr r="0" g="0" b="0"/>
+        </a:lnRef>
+        <a:fillRef idx="1">
+          <a:scrgbClr r="0" g="0" b="0"/>
+        </a:fillRef>
+        <a:effectRef idx="0">
+          <a:scrgbClr r="0" g="0" b="0"/>
+        </a:effectRef>
+        <a:fontRef idx="minor"/>
+      </dsp:style>
+    </dsp:sp>
+    <dsp:sp modelId="{3F260CE1-34B3-40F4-BCC3-971CB94FDE50}">
+      <dsp:nvSpPr>
+        <dsp:cNvPr id="0" name=""/>
+        <dsp:cNvSpPr/>
+      </dsp:nvSpPr>
+      <dsp:spPr>
+        <a:xfrm>
+          <a:off x="720546" y="39560"/>
+          <a:ext cx="2208833" cy="1546111"/>
+        </a:xfrm>
+        <a:prstGeom prst="roundRect">
+          <a:avLst>
+            <a:gd name="adj" fmla="val 16670"/>
+          </a:avLst>
+        </a:prstGeom>
+        <a:solidFill>
+          <a:schemeClr val="accent1">
+            <a:hueOff val="0"/>
+            <a:satOff val="0"/>
+            <a:lumOff val="0"/>
+            <a:alphaOff val="0"/>
+          </a:schemeClr>
+        </a:solidFill>
+        <a:ln w="25400" cap="flat" cmpd="sng" algn="ctr">
+          <a:solidFill>
+            <a:schemeClr val="lt1">
+              <a:hueOff val="0"/>
+              <a:satOff val="0"/>
+              <a:lumOff val="0"/>
+              <a:alphaOff val="0"/>
+            </a:schemeClr>
+          </a:solidFill>
+          <a:prstDash val="solid"/>
+        </a:ln>
+        <a:effectLst/>
+      </dsp:spPr>
+      <dsp:style>
+        <a:lnRef idx="2">
+          <a:scrgbClr r="0" g="0" b="0"/>
+        </a:lnRef>
+        <a:fillRef idx="1">
+          <a:scrgbClr r="0" g="0" b="0"/>
+        </a:fillRef>
+        <a:effectRef idx="0">
+          <a:scrgbClr r="0" g="0" b="0"/>
+        </a:effectRef>
+        <a:fontRef idx="minor">
+          <a:schemeClr val="lt1"/>
+        </a:fontRef>
+      </dsp:style>
+      <dsp:txBody>
+        <a:bodyPr spcFirstLastPara="0" vert="horz" wrap="square" lIns="57150" tIns="57150" rIns="57150" bIns="57150" numCol="1" spcCol="1270" anchor="ctr" anchorCtr="0">
+          <a:noAutofit/>
+        </a:bodyPr>
+        <a:lstStyle/>
+        <a:p>
+          <a:pPr lvl="0" algn="ctr" defTabSz="666750">
+            <a:lnSpc>
+              <a:spcPct val="90000"/>
+            </a:lnSpc>
+            <a:spcBef>
+              <a:spcPct val="0"/>
+            </a:spcBef>
+            <a:spcAft>
+              <a:spcPct val="35000"/>
+            </a:spcAft>
+          </a:pPr>
+          <a:r>
+            <a:rPr lang="el-GR" sz="1500" kern="1200" smtClean="0"/>
+            <a:t>ψ</a:t>
+          </a:r>
+          <a:r>
+            <a:rPr lang="de-DE" sz="1500" kern="1200" smtClean="0"/>
+            <a:t>(</a:t>
+          </a:r>
+          <a:r>
+            <a:rPr lang="de-DE" sz="1500" b="1" kern="1200" smtClean="0"/>
+            <a:t>r</a:t>
+          </a:r>
+          <a:r>
+            <a:rPr lang="de-DE" sz="1500" kern="1200" baseline="-25000" smtClean="0"/>
+            <a:t>p</a:t>
+          </a:r>
+          <a:r>
+            <a:rPr lang="de-DE" sz="1500" kern="1200" smtClean="0"/>
+            <a:t>,</a:t>
+          </a:r>
+          <a:r>
+            <a:rPr lang="de-DE" sz="1500" b="1" kern="1200" smtClean="0"/>
+            <a:t>r</a:t>
+          </a:r>
+          <a:r>
+            <a:rPr lang="de-DE" sz="1500" kern="1200" baseline="-25000" smtClean="0"/>
+            <a:t>e</a:t>
+          </a:r>
+          <a:r>
+            <a:rPr lang="de-DE" sz="1500" kern="1200" smtClean="0"/>
+            <a:t>,t) = </a:t>
+          </a:r>
+          <a:r>
+            <a:rPr lang="el-GR" sz="1500" kern="1200" smtClean="0"/>
+            <a:t>ψ</a:t>
+          </a:r>
+          <a:r>
+            <a:rPr lang="de-DE" sz="1500" kern="1200" smtClean="0"/>
+            <a:t>(</a:t>
+          </a:r>
+          <a:r>
+            <a:rPr lang="de-DE" sz="1500" b="1" kern="1200" smtClean="0"/>
+            <a:t>r</a:t>
+          </a:r>
+          <a:r>
+            <a:rPr lang="de-DE" sz="1500" kern="1200" baseline="-25000" smtClean="0"/>
+            <a:t>p</a:t>
+          </a:r>
+          <a:r>
+            <a:rPr lang="de-DE" sz="1500" kern="1200" smtClean="0"/>
+            <a:t>,</a:t>
+          </a:r>
+          <a:r>
+            <a:rPr lang="de-DE" sz="1500" b="1" kern="1200" smtClean="0"/>
+            <a:t>r</a:t>
+          </a:r>
+          <a:r>
+            <a:rPr lang="de-DE" sz="1500" kern="1200" baseline="-25000" smtClean="0"/>
+            <a:t>e</a:t>
+          </a:r>
+          <a:r>
+            <a:rPr lang="de-DE" sz="1500" kern="1200" smtClean="0"/>
+            <a:t>)</a:t>
+          </a:r>
+          <a:r>
+            <a:rPr lang="de-DE" sz="1500" kern="1200" smtClean="0">
+              <a:latin typeface="Calibri"/>
+            </a:rPr>
+            <a:t>·</a:t>
+          </a:r>
+          <a:r>
+            <a:rPr lang="el-GR" sz="1500" kern="1200" smtClean="0"/>
+            <a:t>ψ</a:t>
+          </a:r>
+          <a:r>
+            <a:rPr lang="de-DE" sz="1500" kern="1200" smtClean="0"/>
+            <a:t>(t)</a:t>
+          </a:r>
+          <a:endParaRPr lang="de-DE" sz="1500" kern="1200"/>
+        </a:p>
+      </dsp:txBody>
+      <dsp:txXfrm>
+        <a:off x="796035" y="115049"/>
+        <a:ext cx="2057855" cy="1395133"/>
+      </dsp:txXfrm>
+    </dsp:sp>
+    <dsp:sp modelId="{98735B6C-DCED-4530-B498-ADF196E051C9}">
+      <dsp:nvSpPr>
+        <dsp:cNvPr id="0" name=""/>
+        <dsp:cNvSpPr/>
+      </dsp:nvSpPr>
+      <dsp:spPr>
+        <a:xfrm>
+          <a:off x="2929380" y="187017"/>
+          <a:ext cx="1606495" cy="1249635"/>
+        </a:xfrm>
+        <a:prstGeom prst="rect">
+          <a:avLst/>
+        </a:prstGeom>
+        <a:noFill/>
+        <a:ln>
+          <a:noFill/>
+        </a:ln>
+        <a:effectLst/>
+      </dsp:spPr>
+      <dsp:style>
+        <a:lnRef idx="0">
+          <a:scrgbClr r="0" g="0" b="0"/>
+        </a:lnRef>
+        <a:fillRef idx="0">
+          <a:scrgbClr r="0" g="0" b="0"/>
+        </a:fillRef>
+        <a:effectRef idx="0">
+          <a:scrgbClr r="0" g="0" b="0"/>
+        </a:effectRef>
+        <a:fontRef idx="minor"/>
+      </dsp:style>
+      <dsp:txBody>
+        <a:bodyPr spcFirstLastPara="0" vert="horz" wrap="square" lIns="57150" tIns="57150" rIns="57150" bIns="57150" numCol="1" spcCol="1270" anchor="ctr" anchorCtr="0">
+          <a:noAutofit/>
+        </a:bodyPr>
+        <a:lstStyle/>
+        <a:p>
+          <a:pPr marL="114300" lvl="1" indent="-114300" algn="l" defTabSz="533400">
+            <a:lnSpc>
+              <a:spcPct val="90000"/>
+            </a:lnSpc>
+            <a:spcBef>
+              <a:spcPct val="0"/>
+            </a:spcBef>
+            <a:spcAft>
+              <a:spcPct val="15000"/>
+            </a:spcAft>
+            <a:buChar char="••"/>
+          </a:pPr>
+          <a:r>
+            <a:rPr lang="de-DE" sz="1200" kern="1200" smtClean="0"/>
+            <a:t>Separation in Zeit- und Ortsteile</a:t>
+          </a:r>
+          <a:endParaRPr lang="de-DE" sz="1200" kern="1200"/>
+        </a:p>
+      </dsp:txBody>
+      <dsp:txXfrm>
+        <a:off x="2929380" y="187017"/>
+        <a:ext cx="1606495" cy="1249635"/>
+      </dsp:txXfrm>
+    </dsp:sp>
+    <dsp:sp modelId="{1587E2FF-B17B-45A6-B18E-26B3C6C929A2}">
+      <dsp:nvSpPr>
+        <dsp:cNvPr id="0" name=""/>
+        <dsp:cNvSpPr/>
+      </dsp:nvSpPr>
+      <dsp:spPr>
+        <a:xfrm rot="5400000">
+          <a:off x="2899535" y="3230863"/>
+          <a:ext cx="1312117" cy="1493799"/>
+        </a:xfrm>
+        <a:prstGeom prst="bentUpArrow">
+          <a:avLst>
+            <a:gd name="adj1" fmla="val 32840"/>
+            <a:gd name="adj2" fmla="val 25000"/>
+            <a:gd name="adj3" fmla="val 35780"/>
+          </a:avLst>
+        </a:prstGeom>
+        <a:solidFill>
+          <a:schemeClr val="accent1">
+            <a:tint val="50000"/>
+            <a:hueOff val="0"/>
+            <a:satOff val="0"/>
+            <a:lumOff val="0"/>
+            <a:alphaOff val="0"/>
+          </a:schemeClr>
+        </a:solidFill>
+        <a:ln w="25400" cap="flat" cmpd="sng" algn="ctr">
+          <a:solidFill>
+            <a:schemeClr val="lt1">
+              <a:hueOff val="0"/>
+              <a:satOff val="0"/>
+              <a:lumOff val="0"/>
+              <a:alphaOff val="0"/>
+            </a:schemeClr>
+          </a:solidFill>
+          <a:prstDash val="solid"/>
+        </a:ln>
+        <a:effectLst/>
+      </dsp:spPr>
+      <dsp:style>
+        <a:lnRef idx="2">
+          <a:scrgbClr r="0" g="0" b="0"/>
+        </a:lnRef>
+        <a:fillRef idx="1">
+          <a:scrgbClr r="0" g="0" b="0"/>
+        </a:fillRef>
+        <a:effectRef idx="0">
+          <a:scrgbClr r="0" g="0" b="0"/>
+        </a:effectRef>
+        <a:fontRef idx="minor"/>
+      </dsp:style>
+    </dsp:sp>
+    <dsp:sp modelId="{8FD736DE-6BED-4D01-B3FC-6EF1D9ED3B6B}">
+      <dsp:nvSpPr>
+        <dsp:cNvPr id="0" name=""/>
+        <dsp:cNvSpPr/>
+      </dsp:nvSpPr>
+      <dsp:spPr>
+        <a:xfrm>
+          <a:off x="2551904" y="1776354"/>
+          <a:ext cx="2208833" cy="1546111"/>
+        </a:xfrm>
+        <a:prstGeom prst="roundRect">
+          <a:avLst>
+            <a:gd name="adj" fmla="val 16670"/>
+          </a:avLst>
+        </a:prstGeom>
+        <a:solidFill>
+          <a:schemeClr val="accent1">
+            <a:hueOff val="0"/>
+            <a:satOff val="0"/>
+            <a:lumOff val="0"/>
+            <a:alphaOff val="0"/>
+          </a:schemeClr>
+        </a:solidFill>
+        <a:ln w="25400" cap="flat" cmpd="sng" algn="ctr">
+          <a:solidFill>
+            <a:schemeClr val="lt1">
+              <a:hueOff val="0"/>
+              <a:satOff val="0"/>
+              <a:lumOff val="0"/>
+              <a:alphaOff val="0"/>
+            </a:schemeClr>
+          </a:solidFill>
+          <a:prstDash val="solid"/>
+        </a:ln>
+        <a:effectLst/>
+      </dsp:spPr>
+      <dsp:style>
+        <a:lnRef idx="2">
+          <a:scrgbClr r="0" g="0" b="0"/>
+        </a:lnRef>
+        <a:fillRef idx="1">
+          <a:scrgbClr r="0" g="0" b="0"/>
+        </a:fillRef>
+        <a:effectRef idx="0">
+          <a:scrgbClr r="0" g="0" b="0"/>
+        </a:effectRef>
+        <a:fontRef idx="minor">
+          <a:schemeClr val="lt1"/>
+        </a:fontRef>
+      </dsp:style>
+      <dsp:txBody>
+        <a:bodyPr spcFirstLastPara="0" vert="horz" wrap="square" lIns="57150" tIns="57150" rIns="57150" bIns="57150" numCol="1" spcCol="1270" anchor="ctr" anchorCtr="0">
+          <a:noAutofit/>
+        </a:bodyPr>
+        <a:lstStyle/>
+        <a:p>
+          <a:pPr lvl="0" algn="ctr" defTabSz="666750">
+            <a:lnSpc>
+              <a:spcPct val="90000"/>
+            </a:lnSpc>
+            <a:spcBef>
+              <a:spcPct val="0"/>
+            </a:spcBef>
+            <a:spcAft>
+              <a:spcPct val="35000"/>
+            </a:spcAft>
+          </a:pPr>
+          <a:r>
+            <a:rPr lang="el-GR" sz="1500" kern="1200" smtClean="0"/>
+            <a:t>ψ</a:t>
+          </a:r>
+          <a:r>
+            <a:rPr lang="de-DE" sz="1500" kern="1200" smtClean="0"/>
+            <a:t>(</a:t>
+          </a:r>
+          <a:r>
+            <a:rPr lang="de-DE" sz="1500" b="1" kern="1200" smtClean="0"/>
+            <a:t>r</a:t>
+          </a:r>
+          <a:r>
+            <a:rPr lang="de-DE" sz="1500" kern="1200" baseline="-25000" smtClean="0"/>
+            <a:t>p</a:t>
+          </a:r>
+          <a:r>
+            <a:rPr lang="de-DE" sz="1500" kern="1200" smtClean="0"/>
+            <a:t>,</a:t>
+          </a:r>
+          <a:r>
+            <a:rPr lang="de-DE" sz="1500" b="1" kern="1200" smtClean="0"/>
+            <a:t>r</a:t>
+          </a:r>
+          <a:r>
+            <a:rPr lang="de-DE" sz="1500" kern="1200" baseline="-25000" smtClean="0"/>
+            <a:t>e</a:t>
+          </a:r>
+          <a:r>
+            <a:rPr lang="de-DE" sz="1500" kern="1200" smtClean="0"/>
+            <a:t>) = </a:t>
+          </a:r>
+          <a:r>
+            <a:rPr lang="el-GR" sz="1500" kern="1200" smtClean="0"/>
+            <a:t>ψ</a:t>
+          </a:r>
+          <a:r>
+            <a:rPr lang="de-DE" sz="1500" kern="1200" smtClean="0"/>
+            <a:t>(</a:t>
+          </a:r>
+          <a:r>
+            <a:rPr lang="de-DE" sz="1500" b="1" kern="1200" smtClean="0"/>
+            <a:t>R</a:t>
+          </a:r>
+          <a:r>
+            <a:rPr lang="de-DE" sz="1500" kern="1200" smtClean="0"/>
+            <a:t>,</a:t>
+          </a:r>
+          <a:r>
+            <a:rPr lang="de-DE" sz="1500" b="1" kern="1200" smtClean="0"/>
+            <a:t>r</a:t>
+          </a:r>
+          <a:r>
+            <a:rPr lang="de-DE" sz="1500" kern="1200" smtClean="0"/>
+            <a:t>) = </a:t>
+          </a:r>
+          <a:r>
+            <a:rPr lang="el-GR" sz="1500" kern="1200" smtClean="0"/>
+            <a:t>ψ</a:t>
+          </a:r>
+          <a:r>
+            <a:rPr lang="de-DE" sz="1500" kern="1200" smtClean="0"/>
+            <a:t>(</a:t>
+          </a:r>
+          <a:r>
+            <a:rPr lang="de-DE" sz="1500" b="1" kern="1200" smtClean="0"/>
+            <a:t>R</a:t>
+          </a:r>
+          <a:r>
+            <a:rPr lang="de-DE" sz="1500" kern="1200" smtClean="0"/>
+            <a:t>)</a:t>
+          </a:r>
+          <a:r>
+            <a:rPr lang="de-DE" sz="1500" kern="1200" smtClean="0">
+              <a:latin typeface="Calibri"/>
+            </a:rPr>
+            <a:t>·</a:t>
+          </a:r>
+          <a:r>
+            <a:rPr lang="el-GR" sz="1500" kern="1200" smtClean="0"/>
+            <a:t>ψ</a:t>
+          </a:r>
+          <a:r>
+            <a:rPr lang="de-DE" sz="1500" kern="1200" smtClean="0"/>
+            <a:t>(</a:t>
+          </a:r>
+          <a:r>
+            <a:rPr lang="de-DE" sz="1500" b="1" kern="1200" smtClean="0"/>
+            <a:t>r</a:t>
+          </a:r>
+          <a:r>
+            <a:rPr lang="de-DE" sz="1500" kern="1200" smtClean="0"/>
+            <a:t>)</a:t>
+          </a:r>
+          <a:endParaRPr lang="de-DE" sz="1500" kern="1200"/>
+        </a:p>
+      </dsp:txBody>
+      <dsp:txXfrm>
+        <a:off x="2627393" y="1851843"/>
+        <a:ext cx="2057855" cy="1395133"/>
+      </dsp:txXfrm>
+    </dsp:sp>
+    <dsp:sp modelId="{B0304F72-A8B0-4C89-8C6D-CAB8355A1E0C}">
+      <dsp:nvSpPr>
+        <dsp:cNvPr id="0" name=""/>
+        <dsp:cNvSpPr/>
+      </dsp:nvSpPr>
+      <dsp:spPr>
+        <a:xfrm>
+          <a:off x="4760737" y="1923811"/>
+          <a:ext cx="1606495" cy="1249635"/>
+        </a:xfrm>
+        <a:prstGeom prst="rect">
+          <a:avLst/>
+        </a:prstGeom>
+        <a:noFill/>
+        <a:ln>
+          <a:noFill/>
+        </a:ln>
+        <a:effectLst/>
+      </dsp:spPr>
+      <dsp:style>
+        <a:lnRef idx="0">
+          <a:scrgbClr r="0" g="0" b="0"/>
+        </a:lnRef>
+        <a:fillRef idx="0">
+          <a:scrgbClr r="0" g="0" b="0"/>
+        </a:fillRef>
+        <a:effectRef idx="0">
+          <a:scrgbClr r="0" g="0" b="0"/>
+        </a:effectRef>
+        <a:fontRef idx="minor"/>
+      </dsp:style>
+      <dsp:txBody>
+        <a:bodyPr spcFirstLastPara="0" vert="horz" wrap="square" lIns="57150" tIns="57150" rIns="57150" bIns="57150" numCol="1" spcCol="1270" anchor="ctr" anchorCtr="0">
+          <a:noAutofit/>
+        </a:bodyPr>
+        <a:lstStyle/>
+        <a:p>
+          <a:pPr marL="114300" lvl="1" indent="-114300" algn="l" defTabSz="533400">
+            <a:lnSpc>
+              <a:spcPct val="90000"/>
+            </a:lnSpc>
+            <a:spcBef>
+              <a:spcPct val="0"/>
+            </a:spcBef>
+            <a:spcAft>
+              <a:spcPct val="15000"/>
+            </a:spcAft>
+            <a:buChar char="••"/>
+          </a:pPr>
+          <a:r>
+            <a:rPr lang="de-DE" sz="1200" kern="1200" smtClean="0"/>
+            <a:t>Transforation auf Schwerpunkt- und Relativkoordinaten</a:t>
+          </a:r>
+          <a:endParaRPr lang="de-DE" sz="1200" kern="1200"/>
+        </a:p>
+        <a:p>
+          <a:pPr marL="114300" lvl="1" indent="-114300" algn="l" defTabSz="533400">
+            <a:lnSpc>
+              <a:spcPct val="90000"/>
+            </a:lnSpc>
+            <a:spcBef>
+              <a:spcPct val="0"/>
+            </a:spcBef>
+            <a:spcAft>
+              <a:spcPct val="15000"/>
+            </a:spcAft>
+            <a:buChar char="••"/>
+          </a:pPr>
+          <a:r>
+            <a:rPr lang="de-DE" sz="1200" kern="1200" smtClean="0"/>
+            <a:t>Separation in Schwerpunkt- und Relativteile</a:t>
+          </a:r>
+          <a:endParaRPr lang="de-DE" sz="1200" kern="1200"/>
+        </a:p>
+      </dsp:txBody>
+      <dsp:txXfrm>
+        <a:off x="4760737" y="1923811"/>
+        <a:ext cx="1606495" cy="1249635"/>
+      </dsp:txXfrm>
+    </dsp:sp>
+    <dsp:sp modelId="{72C98601-9C00-42BC-A3EF-D0698FD65C58}">
+      <dsp:nvSpPr>
+        <dsp:cNvPr id="0" name=""/>
+        <dsp:cNvSpPr/>
+      </dsp:nvSpPr>
+      <dsp:spPr>
+        <a:xfrm rot="5400000">
+          <a:off x="4730893" y="4967657"/>
+          <a:ext cx="1312117" cy="1493799"/>
+        </a:xfrm>
+        <a:prstGeom prst="bentUpArrow">
+          <a:avLst>
+            <a:gd name="adj1" fmla="val 32840"/>
+            <a:gd name="adj2" fmla="val 25000"/>
+            <a:gd name="adj3" fmla="val 35780"/>
+          </a:avLst>
+        </a:prstGeom>
+        <a:solidFill>
+          <a:schemeClr val="accent1">
+            <a:tint val="50000"/>
+            <a:hueOff val="0"/>
+            <a:satOff val="0"/>
+            <a:lumOff val="0"/>
+            <a:alphaOff val="0"/>
+          </a:schemeClr>
+        </a:solidFill>
+        <a:ln w="25400" cap="flat" cmpd="sng" algn="ctr">
+          <a:solidFill>
+            <a:schemeClr val="lt1">
+              <a:hueOff val="0"/>
+              <a:satOff val="0"/>
+              <a:lumOff val="0"/>
+              <a:alphaOff val="0"/>
+            </a:schemeClr>
+          </a:solidFill>
+          <a:prstDash val="solid"/>
+        </a:ln>
+        <a:effectLst/>
+      </dsp:spPr>
+      <dsp:style>
+        <a:lnRef idx="2">
+          <a:scrgbClr r="0" g="0" b="0"/>
+        </a:lnRef>
+        <a:fillRef idx="1">
+          <a:scrgbClr r="0" g="0" b="0"/>
+        </a:fillRef>
+        <a:effectRef idx="0">
+          <a:scrgbClr r="0" g="0" b="0"/>
+        </a:effectRef>
+        <a:fontRef idx="minor"/>
+      </dsp:style>
+    </dsp:sp>
+    <dsp:sp modelId="{F4711837-5C6C-495C-811A-044D741532AC}">
+      <dsp:nvSpPr>
+        <dsp:cNvPr id="0" name=""/>
+        <dsp:cNvSpPr/>
+      </dsp:nvSpPr>
+      <dsp:spPr>
+        <a:xfrm>
+          <a:off x="4383262" y="3513148"/>
+          <a:ext cx="2208833" cy="1546111"/>
+        </a:xfrm>
+        <a:prstGeom prst="roundRect">
+          <a:avLst>
+            <a:gd name="adj" fmla="val 16670"/>
+          </a:avLst>
+        </a:prstGeom>
+        <a:solidFill>
+          <a:schemeClr val="accent1">
+            <a:hueOff val="0"/>
+            <a:satOff val="0"/>
+            <a:lumOff val="0"/>
+            <a:alphaOff val="0"/>
+          </a:schemeClr>
+        </a:solidFill>
+        <a:ln w="25400" cap="flat" cmpd="sng" algn="ctr">
+          <a:solidFill>
+            <a:schemeClr val="lt1">
+              <a:hueOff val="0"/>
+              <a:satOff val="0"/>
+              <a:lumOff val="0"/>
+              <a:alphaOff val="0"/>
+            </a:schemeClr>
+          </a:solidFill>
+          <a:prstDash val="solid"/>
+        </a:ln>
+        <a:effectLst/>
+      </dsp:spPr>
+      <dsp:style>
+        <a:lnRef idx="2">
+          <a:scrgbClr r="0" g="0" b="0"/>
+        </a:lnRef>
+        <a:fillRef idx="1">
+          <a:scrgbClr r="0" g="0" b="0"/>
+        </a:fillRef>
+        <a:effectRef idx="0">
+          <a:scrgbClr r="0" g="0" b="0"/>
+        </a:effectRef>
+        <a:fontRef idx="minor">
+          <a:schemeClr val="lt1"/>
+        </a:fontRef>
+      </dsp:style>
+      <dsp:txBody>
+        <a:bodyPr spcFirstLastPara="0" vert="horz" wrap="square" lIns="57150" tIns="57150" rIns="57150" bIns="57150" numCol="1" spcCol="1270" anchor="ctr" anchorCtr="0">
+          <a:noAutofit/>
+        </a:bodyPr>
+        <a:lstStyle/>
+        <a:p>
+          <a:pPr lvl="0" algn="ctr" defTabSz="666750">
+            <a:lnSpc>
+              <a:spcPct val="90000"/>
+            </a:lnSpc>
+            <a:spcBef>
+              <a:spcPct val="0"/>
+            </a:spcBef>
+            <a:spcAft>
+              <a:spcPct val="35000"/>
+            </a:spcAft>
+          </a:pPr>
+          <a:r>
+            <a:rPr lang="el-GR" sz="1500" kern="1200" smtClean="0"/>
+            <a:t>ψ</a:t>
+          </a:r>
+          <a:r>
+            <a:rPr lang="de-DE" sz="1500" kern="1200" smtClean="0"/>
+            <a:t>(</a:t>
+          </a:r>
+          <a:r>
+            <a:rPr lang="de-DE" sz="1500" b="1" kern="1200" smtClean="0"/>
+            <a:t>r</a:t>
+          </a:r>
+          <a:r>
+            <a:rPr lang="de-DE" sz="1500" kern="1200" smtClean="0"/>
+            <a:t>) = </a:t>
+          </a:r>
+          <a:r>
+            <a:rPr lang="el-GR" sz="1500" kern="1200" smtClean="0"/>
+            <a:t>ψ</a:t>
+          </a:r>
+          <a:r>
+            <a:rPr lang="de-DE" sz="1500" kern="1200" smtClean="0"/>
+            <a:t>(x,y,z) = </a:t>
+          </a:r>
+          <a:r>
+            <a:rPr lang="el-GR" sz="1500" kern="1200" smtClean="0"/>
+            <a:t>ψ</a:t>
+          </a:r>
+          <a:r>
+            <a:rPr lang="de-DE" sz="1500" kern="1200" smtClean="0"/>
+            <a:t>(r,</a:t>
+          </a:r>
+          <a:r>
+            <a:rPr lang="el-GR" sz="1500" kern="1200" smtClean="0">
+              <a:latin typeface="Calibri"/>
+            </a:rPr>
+            <a:t>ϑ</a:t>
+          </a:r>
+          <a:r>
+            <a:rPr lang="de-DE" sz="1500" kern="1200" smtClean="0">
+              <a:latin typeface="Calibri"/>
+            </a:rPr>
+            <a:t>,</a:t>
+          </a:r>
+          <a:r>
+            <a:rPr lang="el-GR" sz="1500" kern="1200" smtClean="0">
+              <a:latin typeface="Calibri"/>
+            </a:rPr>
+            <a:t>ϕ</a:t>
+          </a:r>
+          <a:r>
+            <a:rPr lang="de-DE" sz="1500" kern="1200" smtClean="0"/>
+            <a:t>) = </a:t>
+          </a:r>
+          <a:r>
+            <a:rPr lang="el-GR" sz="1500" kern="1200" smtClean="0"/>
+            <a:t>ψ</a:t>
+          </a:r>
+          <a:r>
+            <a:rPr lang="de-DE" sz="1500" kern="1200" smtClean="0"/>
+            <a:t>(r)</a:t>
+          </a:r>
+          <a:r>
+            <a:rPr lang="de-DE" sz="1500" kern="1200" smtClean="0">
+              <a:latin typeface="Calibri"/>
+            </a:rPr>
+            <a:t>·</a:t>
+          </a:r>
+          <a:r>
+            <a:rPr lang="el-GR" sz="1500" kern="1200" smtClean="0"/>
+            <a:t>ψ</a:t>
+          </a:r>
+          <a:r>
+            <a:rPr lang="de-DE" sz="1500" kern="1200" smtClean="0"/>
+            <a:t>(</a:t>
+          </a:r>
+          <a:r>
+            <a:rPr lang="el-GR" sz="1500" kern="1200" smtClean="0">
+              <a:latin typeface="Calibri"/>
+            </a:rPr>
+            <a:t>ϑ</a:t>
+          </a:r>
+          <a:r>
+            <a:rPr lang="de-DE" sz="1500" kern="1200" smtClean="0">
+              <a:latin typeface="Calibri"/>
+            </a:rPr>
+            <a:t>)·</a:t>
+          </a:r>
+          <a:r>
+            <a:rPr lang="el-GR" sz="1500" kern="1200" smtClean="0"/>
+            <a:t>ψ</a:t>
+          </a:r>
+          <a:r>
+            <a:rPr lang="de-DE" sz="1500" kern="1200" smtClean="0"/>
+            <a:t>(</a:t>
+          </a:r>
+          <a:r>
+            <a:rPr lang="el-GR" sz="1500" kern="1200" smtClean="0">
+              <a:latin typeface="Calibri"/>
+            </a:rPr>
+            <a:t>ϕ</a:t>
+          </a:r>
+          <a:r>
+            <a:rPr lang="de-DE" sz="1500" kern="1200" smtClean="0"/>
+            <a:t>)</a:t>
+          </a:r>
+          <a:endParaRPr lang="de-DE" sz="1500" kern="1200"/>
+        </a:p>
+      </dsp:txBody>
+      <dsp:txXfrm>
+        <a:off x="4458751" y="3588637"/>
+        <a:ext cx="2057855" cy="1395133"/>
+      </dsp:txXfrm>
+    </dsp:sp>
+    <dsp:sp modelId="{765C75B3-618A-437C-ACAC-1821724D50B2}">
+      <dsp:nvSpPr>
+        <dsp:cNvPr id="0" name=""/>
+        <dsp:cNvSpPr/>
+      </dsp:nvSpPr>
+      <dsp:spPr>
+        <a:xfrm>
+          <a:off x="6592095" y="3660605"/>
+          <a:ext cx="1606495" cy="1249635"/>
+        </a:xfrm>
+        <a:prstGeom prst="rect">
+          <a:avLst/>
+        </a:prstGeom>
+        <a:noFill/>
+        <a:ln>
+          <a:noFill/>
+        </a:ln>
+        <a:effectLst/>
+      </dsp:spPr>
+      <dsp:style>
+        <a:lnRef idx="0">
+          <a:scrgbClr r="0" g="0" b="0"/>
+        </a:lnRef>
+        <a:fillRef idx="0">
+          <a:scrgbClr r="0" g="0" b="0"/>
+        </a:fillRef>
+        <a:effectRef idx="0">
+          <a:scrgbClr r="0" g="0" b="0"/>
+        </a:effectRef>
+        <a:fontRef idx="minor"/>
+      </dsp:style>
+      <dsp:txBody>
+        <a:bodyPr spcFirstLastPara="0" vert="horz" wrap="square" lIns="57150" tIns="57150" rIns="57150" bIns="57150" numCol="1" spcCol="1270" anchor="ctr" anchorCtr="0">
+          <a:noAutofit/>
+        </a:bodyPr>
+        <a:lstStyle/>
+        <a:p>
+          <a:pPr marL="114300" lvl="1" indent="-114300" algn="l" defTabSz="533400">
+            <a:lnSpc>
+              <a:spcPct val="90000"/>
+            </a:lnSpc>
+            <a:spcBef>
+              <a:spcPct val="0"/>
+            </a:spcBef>
+            <a:spcAft>
+              <a:spcPct val="15000"/>
+            </a:spcAft>
+            <a:buChar char="••"/>
+          </a:pPr>
+          <a:r>
+            <a:rPr lang="de-DE" sz="1200" kern="1200" smtClean="0"/>
+            <a:t>Transformation des Relativteils auf Kugelkoordinaten</a:t>
+          </a:r>
+          <a:endParaRPr lang="de-DE" sz="1200" kern="1200"/>
+        </a:p>
+        <a:p>
+          <a:pPr marL="114300" lvl="1" indent="-114300" algn="l" defTabSz="533400">
+            <a:lnSpc>
+              <a:spcPct val="90000"/>
+            </a:lnSpc>
+            <a:spcBef>
+              <a:spcPct val="0"/>
+            </a:spcBef>
+            <a:spcAft>
+              <a:spcPct val="15000"/>
+            </a:spcAft>
+            <a:buChar char="••"/>
+          </a:pPr>
+          <a:r>
+            <a:rPr lang="de-DE" sz="1200" kern="1200" smtClean="0"/>
+            <a:t>Separation in Radial- und Winkelteile</a:t>
+          </a:r>
+          <a:endParaRPr lang="de-DE" sz="1200" kern="1200"/>
+        </a:p>
+      </dsp:txBody>
+      <dsp:txXfrm>
+        <a:off x="6592095" y="3660605"/>
+        <a:ext cx="1606495" cy="1249635"/>
+      </dsp:txXfrm>
+    </dsp:sp>
+    <dsp:sp modelId="{E1397BAB-1C40-4369-A127-8542E016418D}">
+      <dsp:nvSpPr>
+        <dsp:cNvPr id="0" name=""/>
+        <dsp:cNvSpPr/>
+      </dsp:nvSpPr>
+      <dsp:spPr>
+        <a:xfrm>
+          <a:off x="6214619" y="5249942"/>
+          <a:ext cx="2208833" cy="1546111"/>
+        </a:xfrm>
+        <a:prstGeom prst="roundRect">
+          <a:avLst>
+            <a:gd name="adj" fmla="val 16670"/>
+          </a:avLst>
+        </a:prstGeom>
+        <a:solidFill>
+          <a:schemeClr val="accent1">
+            <a:hueOff val="0"/>
+            <a:satOff val="0"/>
+            <a:lumOff val="0"/>
+            <a:alphaOff val="0"/>
+          </a:schemeClr>
+        </a:solidFill>
+        <a:ln w="25400" cap="flat" cmpd="sng" algn="ctr">
+          <a:solidFill>
+            <a:schemeClr val="lt1">
+              <a:hueOff val="0"/>
+              <a:satOff val="0"/>
+              <a:lumOff val="0"/>
+              <a:alphaOff val="0"/>
+            </a:schemeClr>
+          </a:solidFill>
+          <a:prstDash val="solid"/>
+        </a:ln>
+        <a:effectLst/>
+      </dsp:spPr>
+      <dsp:style>
+        <a:lnRef idx="2">
+          <a:scrgbClr r="0" g="0" b="0"/>
+        </a:lnRef>
+        <a:fillRef idx="1">
+          <a:scrgbClr r="0" g="0" b="0"/>
+        </a:fillRef>
+        <a:effectRef idx="0">
+          <a:scrgbClr r="0" g="0" b="0"/>
+        </a:effectRef>
+        <a:fontRef idx="minor">
+          <a:schemeClr val="lt1"/>
+        </a:fontRef>
+      </dsp:style>
+      <dsp:txBody>
+        <a:bodyPr spcFirstLastPara="0" vert="horz" wrap="square" lIns="57150" tIns="57150" rIns="57150" bIns="57150" numCol="1" spcCol="1270" anchor="ctr" anchorCtr="0">
+          <a:noAutofit/>
+        </a:bodyPr>
+        <a:lstStyle/>
+        <a:p>
+          <a:pPr lvl="0" algn="ctr" defTabSz="666750">
+            <a:lnSpc>
+              <a:spcPct val="90000"/>
+            </a:lnSpc>
+            <a:spcBef>
+              <a:spcPct val="0"/>
+            </a:spcBef>
+            <a:spcAft>
+              <a:spcPct val="35000"/>
+            </a:spcAft>
+          </a:pPr>
+          <a:r>
+            <a:rPr lang="de-DE" sz="1500" kern="1200" smtClean="0"/>
+            <a:t>wieder alles zusammen</a:t>
+          </a:r>
+          <a:br>
+            <a:rPr lang="de-DE" sz="1500" kern="1200" smtClean="0"/>
+          </a:br>
+          <a:r>
+            <a:rPr lang="el-GR" sz="1500" kern="1200" smtClean="0"/>
+            <a:t>ψ</a:t>
+          </a:r>
+          <a:r>
+            <a:rPr lang="de-DE" sz="1500" kern="1200" smtClean="0"/>
+            <a:t>(</a:t>
+          </a:r>
+          <a:r>
+            <a:rPr lang="de-DE" sz="1500" b="1" kern="1200" smtClean="0"/>
+            <a:t>R</a:t>
+          </a:r>
+          <a:r>
+            <a:rPr lang="de-DE" sz="1500" kern="1200" smtClean="0"/>
+            <a:t>,</a:t>
+          </a:r>
+          <a:r>
+            <a:rPr lang="de-DE" sz="1500" b="1" kern="1200" smtClean="0"/>
+            <a:t>r</a:t>
+          </a:r>
+          <a:r>
+            <a:rPr lang="de-DE" sz="1500" kern="1200" smtClean="0"/>
+            <a:t>,t) = </a:t>
+          </a:r>
+          <a:r>
+            <a:rPr lang="el-GR" sz="1500" kern="1200" smtClean="0"/>
+            <a:t>ψ</a:t>
+          </a:r>
+          <a:r>
+            <a:rPr lang="de-DE" sz="1500" kern="1200" smtClean="0"/>
+            <a:t>(</a:t>
+          </a:r>
+          <a:r>
+            <a:rPr lang="de-DE" sz="1500" b="1" kern="1200" smtClean="0"/>
+            <a:t>R</a:t>
+          </a:r>
+          <a:r>
+            <a:rPr lang="de-DE" sz="1500" kern="1200" smtClean="0"/>
+            <a:t>)</a:t>
+          </a:r>
+          <a:r>
+            <a:rPr lang="de-DE" sz="1500" kern="1200" smtClean="0">
+              <a:latin typeface="Calibri"/>
+            </a:rPr>
+            <a:t>·</a:t>
+          </a:r>
+          <a:r>
+            <a:rPr lang="el-GR" sz="1500" kern="1200" smtClean="0"/>
+            <a:t>ψ</a:t>
+          </a:r>
+          <a:r>
+            <a:rPr lang="de-DE" sz="1500" kern="1200" smtClean="0"/>
+            <a:t>(r)</a:t>
+          </a:r>
+          <a:r>
+            <a:rPr lang="de-DE" sz="1500" kern="1200" smtClean="0">
+              <a:latin typeface="Calibri"/>
+            </a:rPr>
+            <a:t>·</a:t>
+          </a:r>
+          <a:r>
+            <a:rPr lang="el-GR" sz="1500" kern="1200" smtClean="0"/>
+            <a:t>ψ</a:t>
+          </a:r>
+          <a:r>
+            <a:rPr lang="de-DE" sz="1500" kern="1200" smtClean="0"/>
+            <a:t>(</a:t>
+          </a:r>
+          <a:r>
+            <a:rPr lang="el-GR" sz="1500" kern="1200" smtClean="0">
+              <a:latin typeface="Calibri"/>
+            </a:rPr>
+            <a:t>ϑ</a:t>
+          </a:r>
+          <a:r>
+            <a:rPr lang="de-DE" sz="1500" kern="1200" smtClean="0">
+              <a:latin typeface="Calibri"/>
+            </a:rPr>
+            <a:t>)·</a:t>
+          </a:r>
+          <a:r>
+            <a:rPr lang="el-GR" sz="1500" kern="1200" smtClean="0"/>
+            <a:t>ψ</a:t>
+          </a:r>
+          <a:r>
+            <a:rPr lang="de-DE" sz="1500" kern="1200" smtClean="0"/>
+            <a:t>(</a:t>
+          </a:r>
+          <a:r>
+            <a:rPr lang="el-GR" sz="1500" kern="1200" smtClean="0">
+              <a:latin typeface="Calibri"/>
+            </a:rPr>
+            <a:t>ϕ</a:t>
+          </a:r>
+          <a:r>
+            <a:rPr lang="de-DE" sz="1500" kern="1200" smtClean="0"/>
+            <a:t>)</a:t>
+          </a:r>
+          <a:r>
+            <a:rPr lang="de-DE" sz="1500" kern="1200" smtClean="0">
+              <a:latin typeface="Calibri"/>
+            </a:rPr>
+            <a:t>·</a:t>
+          </a:r>
+          <a:r>
+            <a:rPr lang="el-GR" sz="1500" kern="1200" smtClean="0"/>
+            <a:t>ψ</a:t>
+          </a:r>
+          <a:r>
+            <a:rPr lang="de-DE" sz="1500" kern="1200" smtClean="0"/>
+            <a:t>(t)</a:t>
+          </a:r>
+          <a:endParaRPr lang="de-DE" sz="1500" kern="1200"/>
+        </a:p>
+      </dsp:txBody>
+      <dsp:txXfrm>
+        <a:off x="6290108" y="5325431"/>
+        <a:ext cx="2057855" cy="1395133"/>
+      </dsp:txXfrm>
+    </dsp:sp>
+  </dsp:spTree>
+</dsp:drawing>
+</file>
+
+<file path=ppt/diagrams/layout1.xml><?xml version="1.0" encoding="utf-8"?>
+<dgm:layoutDef xmlns:dgm="http://schemas.openxmlformats.org/drawingml/2006/diagram" xmlns:a="http://schemas.openxmlformats.org/drawingml/2006/main" uniqueId="urn:microsoft.com/office/officeart/2005/8/layout/StepDownProcess">
+  <dgm:title val=""/>
+  <dgm:desc val=""/>
+  <dgm:catLst>
+    <dgm:cat type="process" pri="1600"/>
+  </dgm:catLst>
+  <dgm:sampData>
+    <dgm:dataModel>
+      <dgm:ptLst>
+        <dgm:pt modelId="0" type="doc"/>
+        <dgm:pt modelId="10">
+          <dgm:prSet phldr="1"/>
+        </dgm:pt>
+        <dgm:pt modelId="11">
+          <dgm:prSet phldr="1"/>
+        </dgm:pt>
+        <dgm:pt modelId="20">
+          <dgm:prSet phldr="1"/>
+        </dgm:pt>
+        <dgm:pt modelId="21">
+          <dgm:prSet phldr="1"/>
+        </dgm:pt>
+        <dgm:pt modelId="30">
+          <dgm:prSet phldr="1"/>
+        </dgm:pt>
+        <dgm:pt modelId="31">
+          <dgm:prSet phldr="1"/>
+        </dgm:pt>
+      </dgm:ptLst>
+      <dgm:cxnLst>
+        <dgm:cxn modelId="60" srcId="0" destId="10" srcOrd="0" destOrd="0"/>
+        <dgm:cxn modelId="12" srcId="10" destId="11" srcOrd="0" destOrd="0"/>
+        <dgm:cxn modelId="70" srcId="0" destId="20" srcOrd="1" destOrd="0"/>
+        <dgm:cxn modelId="22" srcId="20" destId="21" srcOrd="0" destOrd="0"/>
+        <dgm:cxn modelId="80" srcId="0" destId="30" srcOrd="2" destOrd="0"/>
+        <dgm:cxn modelId="32" srcId="30" destId="31" srcOrd="0" destOrd="0"/>
+      </dgm:cxnLst>
+      <dgm:bg/>
+      <dgm:whole/>
+    </dgm:dataModel>
+  </dgm:sampData>
+  <dgm:styleData>
+    <dgm:dataModel>
+      <dgm:ptLst>
+        <dgm:pt modelId="0" type="doc"/>
+        <dgm:pt modelId="10">
+          <dgm:prSet phldr="1"/>
+        </dgm:pt>
+        <dgm:pt modelId="20">
+          <dgm:prSet phldr="1"/>
+        </dgm:pt>
+      </dgm:ptLst>
+      <dgm:cxnLst>
+        <dgm:cxn modelId="60" srcId="0" destId="10" srcOrd="0" destOrd="0"/>
+        <dgm:cxn modelId="70" srcId="0" destId="20" srcOrd="1" destOrd="0"/>
+      </dgm:cxnLst>
+      <dgm:bg/>
+      <dgm:whole/>
+    </dgm:dataModel>
+  </dgm:styleData>
+  <dgm:clrData>
+    <dgm:dataModel>
+      <dgm:ptLst>
+        <dgm:pt modelId="0" type="doc"/>
+        <dgm:pt modelId="10">
+          <dgm:prSet phldr="1"/>
+        </dgm:pt>
+        <dgm:pt modelId="20">
+          <dgm:prSet phldr="1"/>
+        </dgm:pt>
+        <dgm:pt modelId="30">
+          <dgm:prSet phldr="1"/>
+        </dgm:pt>
+        <dgm:pt modelId="40">
+          <dgm:prSet phldr="1"/>
+        </dgm:pt>
+      </dgm:ptLst>
+      <dgm:cxnLst>
+        <dgm:cxn modelId="60" srcId="0" destId="10" srcOrd="0" destOrd="0"/>
+        <dgm:cxn modelId="70" srcId="0" destId="20" srcOrd="1" destOrd="0"/>
+        <dgm:cxn modelId="80" srcId="0" destId="30" srcOrd="2" destOrd="0"/>
+        <dgm:cxn modelId="90" srcId="0" destId="40" srcOrd="3" destOrd="0"/>
+      </dgm:cxnLst>
+      <dgm:bg/>
+      <dgm:whole/>
+    </dgm:dataModel>
+  </dgm:clrData>
+  <dgm:layoutNode name="rootnode">
+    <dgm:varLst>
+      <dgm:chMax/>
+      <dgm:chPref/>
+      <dgm:dir/>
+      <dgm:animLvl val="lvl"/>
+    </dgm:varLst>
+    <dgm:choose name="Name0">
+      <dgm:if name="Name1" func="var" arg="dir" op="equ" val="norm">
+        <dgm:alg type="snake">
+          <dgm:param type="grDir" val="tL"/>
+          <dgm:param type="flowDir" val="row"/>
+          <dgm:param type="off" val="off"/>
+          <dgm:param type="bkpt" val="fixed"/>
+          <dgm:param type="bkPtFixedVal" val="1"/>
+        </dgm:alg>
+      </dgm:if>
+      <dgm:else name="Name2">
+        <dgm:alg type="snake">
+          <dgm:param type="grDir" val="tR"/>
+          <dgm:param type="flowDir" val="row"/>
+          <dgm:param type="off" val="off"/>
+          <dgm:param type="bkpt" val="fixed"/>
+          <dgm:param type="bkPtFixedVal" val="1"/>
+        </dgm:alg>
+      </dgm:else>
+    </dgm:choose>
+    <dgm:shape xmlns:r="http://schemas.openxmlformats.org/officeDocument/2006/relationships" r:blip="">
+      <dgm:adjLst/>
+    </dgm:shape>
+    <dgm:choose name="Name3">
+      <dgm:if name="Name4" func="var" arg="dir" op="equ" val="norm">
+        <dgm:constrLst>
+          <dgm:constr type="alignOff" forName="rootnode" val="0.48"/>
+          <dgm:constr type="primFontSz" for="des" forName="ParentText" val="65"/>
+          <dgm:constr type="primFontSz" for="des" forName="ChildText" refType="primFontSz" refFor="des" refForName="ParentText" op="lte"/>
+          <dgm:constr type="w" for="ch" forName="composite" refType="w"/>
+          <dgm:constr type="h" for="ch" forName="composite" refType="h"/>
+          <dgm:constr type="sp" refType="h" refFor="ch" refForName="composite" op="equ" fact="-0.38"/>
+        </dgm:constrLst>
+      </dgm:if>
+      <dgm:else name="Name5">
+        <dgm:constrLst>
+          <dgm:constr type="alignOff" forName="rootnode" val="0.48"/>
+          <dgm:constr type="primFontSz" for="des" forName="ParentText" val="65"/>
+          <dgm:constr type="primFontSz" for="des" forName="ChildText" refType="primFontSz" refFor="des" refForName="ParentText" op="lte"/>
+          <dgm:constr type="w" for="ch" forName="composite" refType="w"/>
+          <dgm:constr type="h" for="ch" forName="composite" refType="h"/>
+          <dgm:constr type="sp" refType="h" refFor="ch" refForName="composite" op="equ" fact="-0.38"/>
+        </dgm:constrLst>
+      </dgm:else>
+    </dgm:choose>
+    <dgm:forEach name="nodesForEach" axis="ch" ptType="node">
+      <dgm:layoutNode name="composite">
+        <dgm:alg type="composite">
+          <dgm:param type="ar" val="1.2439"/>
+        </dgm:alg>
+        <dgm:shape xmlns:r="http://schemas.openxmlformats.org/officeDocument/2006/relationships" r:blip="">
+          <dgm:adjLst/>
+        </dgm:shape>
+        <dgm:choose name="Name6">
+          <dgm:if name="Name7" func="var" arg="dir" op="equ" val="norm">
+            <dgm:constrLst>
+              <dgm:constr type="l" for="ch" forName="bentUpArrow1" refType="w" fact="0.07"/>
+              <dgm:constr type="t" for="ch" forName="bentUpArrow1" refType="h" fact="0.524"/>
+              <dgm:constr type="w" for="ch" forName="bentUpArrow1" refType="w" fact="0.3844"/>
+              <dgm:constr type="h" for="ch" forName="bentUpArrow1" refType="h" fact="0.42"/>
+              <dgm:constr type="l" for="ch" forName="ParentText" refType="w" fact="0"/>
+              <dgm:constr type="t" for="ch" forName="ParentText" refType="h" fact="0"/>
+              <dgm:constr type="w" for="ch" forName="ParentText" refType="w" fact="0.5684"/>
+              <dgm:constr type="h" for="ch" forName="ParentText" refType="h" fact="0.4949"/>
+              <dgm:constr type="l" for="ch" forName="ChildText" refType="w" refFor="ch" refForName="ParentText"/>
+              <dgm:constr type="t" for="ch" forName="ChildText" refType="h" fact="0.05"/>
+              <dgm:constr type="w" for="ch" forName="ChildText" refType="w" fact="0.4134"/>
+              <dgm:constr type="h" for="ch" forName="ChildText" refType="h" fact="0.4"/>
+              <dgm:constr type="l" for="ch" forName="FinalChildText" refType="w" refFor="ch" refForName="ParentText"/>
+              <dgm:constr type="t" for="ch" forName="FinalChildText" refType="h" fact="0.05"/>
+              <dgm:constr type="w" for="ch" forName="FinalChildText" refType="w" fact="0.4134"/>
+              <dgm:constr type="h" for="ch" forName="FinalChildText" refType="h" fact="0.4"/>
+            </dgm:constrLst>
+          </dgm:if>
+          <dgm:else name="Name8">
+            <dgm:constrLst>
+              <dgm:constr type="r" for="ch" forName="bentUpArrow1" refType="w" fact="0.97"/>
+              <dgm:constr type="t" for="ch" forName="bentUpArrow1" refType="h" fact="0.524"/>
+              <dgm:constr type="w" for="ch" forName="bentUpArrow1" refType="w" fact="0.3844"/>
+              <dgm:constr type="h" for="ch" forName="bentUpArrow1" refType="h" fact="0.42"/>
+              <dgm:constr type="l" for="ch" forName="ParentText" refType="w" fact="0.4316"/>
+              <dgm:constr type="t" for="ch" forName="ParentText" refType="h" fact="0"/>
+              <dgm:constr type="w" for="ch" forName="ParentText" refType="w" fact="0.5684"/>
+              <dgm:constr type="h" for="ch" forName="ParentText" refType="h" fact="0.4949"/>
+              <dgm:constr type="l" for="ch" forName="ChildText" refType="w" fact="0"/>
+              <dgm:constr type="t" for="ch" forName="ChildText" refType="h" fact="0.05"/>
+              <dgm:constr type="w" for="ch" forName="ChildText" refType="w" fact="0.4134"/>
+              <dgm:constr type="h" for="ch" forName="ChildText" refType="h" fact="0.4"/>
+              <dgm:constr type="l" for="ch" forName="FinalChildText" refType="w" fact="0"/>
+              <dgm:constr type="t" for="ch" forName="FinalChildText" refType="h" fact="0.05"/>
+              <dgm:constr type="w" for="ch" forName="FinalChildText" refType="w" fact="0.4134"/>
+              <dgm:constr type="h" for="ch" forName="FinalChildText" refType="h" fact="0.4"/>
+            </dgm:constrLst>
+          </dgm:else>
+        </dgm:choose>
+        <dgm:choose name="Name9">
+          <dgm:if name="Name10" axis="followSib" ptType="node" func="cnt" op="gte" val="1">
+            <dgm:layoutNode name="bentUpArrow1" styleLbl="alignImgPlace1">
+              <dgm:alg type="sp"/>
+              <dgm:choose name="Name11">
+                <dgm:if name="Name12" func="var" arg="dir" op="equ" val="norm">
+                  <dgm:shape xmlns:r="http://schemas.openxmlformats.org/officeDocument/2006/relationships" rot="90" type="bentUpArrow" r:blip="">
+                    <dgm:adjLst>
+                      <dgm:adj idx="1" val="0.3284"/>
+                      <dgm:adj idx="2" val="0.25"/>
+                      <dgm:adj idx="3" val="0.3578"/>
+                    </dgm:adjLst>
+                  </dgm:shape>
+                </dgm:if>
+                <dgm:else name="Name13">
+                  <dgm:shape xmlns:r="http://schemas.openxmlformats.org/officeDocument/2006/relationships" rot="180" type="bentArrow" r:blip="">
+                    <dgm:adjLst>
+                      <dgm:adj idx="1" val="0.3284"/>
+                      <dgm:adj idx="2" val="0.25"/>
+                      <dgm:adj idx="3" val="0.3578"/>
+                      <dgm:adj idx="4" val="0"/>
+                    </dgm:adjLst>
+                  </dgm:shape>
+                </dgm:else>
+              </dgm:choose>
+              <dgm:presOf/>
+            </dgm:layoutNode>
+          </dgm:if>
+          <dgm:else name="Name14"/>
+        </dgm:choose>
+        <dgm:layoutNode name="ParentText" styleLbl="node1">
+          <dgm:varLst>
+            <dgm:chMax val="1"/>
+            <dgm:chPref val="1"/>
+            <dgm:bulletEnabled val="1"/>
+          </dgm:varLst>
+          <dgm:alg type="tx"/>
+          <dgm:shape xmlns:r="http://schemas.openxmlformats.org/officeDocument/2006/relationships" type="roundRect" r:blip="">
+            <dgm:adjLst>
+              <dgm:adj idx="1" val="0.1667"/>
+            </dgm:adjLst>
+          </dgm:shape>
+          <dgm:presOf axis="self" ptType="node"/>
+          <dgm:constrLst>
+            <dgm:constr type="lMarg" refType="primFontSz" fact="0.3"/>
+            <dgm:constr type="rMarg" refType="primFontSz" fact="0.3"/>
+            <dgm:constr type="tMarg" refType="primFontSz" fact="0.3"/>
+            <dgm:constr type="bMarg" refType="primFontSz" fact="0.3"/>
+          </dgm:constrLst>
+          <dgm:ruleLst>
+            <dgm:rule type="primFontSz" val="5" fact="NaN" max="NaN"/>
+          </dgm:ruleLst>
+        </dgm:layoutNode>
+        <dgm:choose name="Name15">
+          <dgm:if name="Name16" axis="followSib" ptType="node" func="cnt" op="equ" val="0">
+            <dgm:choose name="Name17">
+              <dgm:if name="Name18" axis="ch" ptType="node" func="cnt" op="gte" val="1">
+                <dgm:layoutNode name="FinalChildText" styleLbl="revTx">
+                  <dgm:varLst>
+                    <dgm:chMax val="0"/>
+                    <dgm:chPref val="0"/>
+                    <dgm:bulletEnabled val="1"/>
+                  </dgm:varLst>
+                  <dgm:alg type="tx">
+                    <dgm:param type="stBulletLvl" val="1"/>
+                    <dgm:param type="txAnchorVertCh" val="mid"/>
+                    <dgm:param type="parTxLTRAlign" val="l"/>
+                  </dgm:alg>
+                  <dgm:shape xmlns:r="http://schemas.openxmlformats.org/officeDocument/2006/relationships" type="rect" r:blip="">
+                    <dgm:adjLst/>
+                  </dgm:shape>
+                  <dgm:presOf axis="des" ptType="node"/>
+                  <dgm:constrLst>
+                    <dgm:constr type="lMarg" refType="primFontSz" fact="0.3"/>
+                    <dgm:constr type="rMarg" refType="primFontSz" fact="0.3"/>
+                    <dgm:constr type="tMarg" refType="primFontSz" fact="0.3"/>
+                    <dgm:constr type="bMarg" refType="primFontSz" fact="0.3"/>
+                  </dgm:constrLst>
+                  <dgm:ruleLst>
+                    <dgm:rule type="primFontSz" val="5" fact="NaN" max="NaN"/>
+                  </dgm:ruleLst>
+                </dgm:layoutNode>
+              </dgm:if>
+              <dgm:else name="Name19"/>
+            </dgm:choose>
+          </dgm:if>
+          <dgm:else name="Name20">
+            <dgm:layoutNode name="ChildText" styleLbl="revTx">
+              <dgm:varLst>
+                <dgm:chMax val="0"/>
+                <dgm:chPref val="0"/>
+                <dgm:bulletEnabled val="1"/>
+              </dgm:varLst>
+              <dgm:alg type="tx">
+                <dgm:param type="stBulletLvl" val="1"/>
+                <dgm:param type="txAnchorVertCh" val="mid"/>
+                <dgm:param type="parTxLTRAlign" val="l"/>
+              </dgm:alg>
+              <dgm:shape xmlns:r="http://schemas.openxmlformats.org/officeDocument/2006/relationships" type="rect" r:blip="">
+                <dgm:adjLst/>
+              </dgm:shape>
+              <dgm:presOf axis="des" ptType="node"/>
+              <dgm:constrLst>
+                <dgm:constr type="lMarg" refType="primFontSz" fact="0.3"/>
+                <dgm:constr type="rMarg" refType="primFontSz" fact="0.3"/>
+                <dgm:constr type="tMarg" refType="primFontSz" fact="0.3"/>
+                <dgm:constr type="bMarg" refType="primFontSz" fact="0.3"/>
+              </dgm:constrLst>
+              <dgm:ruleLst>
+                <dgm:rule type="primFontSz" val="5" fact="NaN" max="NaN"/>
+              </dgm:ruleLst>
+            </dgm:layoutNode>
+          </dgm:else>
+        </dgm:choose>
+      </dgm:layoutNode>
+      <dgm:forEach name="sibTransForEach" axis="followSib" ptType="sibTrans" cnt="1">
+        <dgm:layoutNode name="sibTrans">
+          <dgm:alg type="sp"/>
+          <dgm:shape xmlns:r="http://schemas.openxmlformats.org/officeDocument/2006/relationships" r:blip="">
+            <dgm:adjLst/>
+          </dgm:shape>
+        </dgm:layoutNode>
+      </dgm:forEach>
+    </dgm:forEach>
+  </dgm:layoutNode>
+</dgm:layoutDef>
+</file>
+
+<file path=ppt/diagrams/quickStyle1.xml><?xml version="1.0" encoding="utf-8"?>
+<dgm:styleDef xmlns:dgm="http://schemas.openxmlformats.org/drawingml/2006/diagram" xmlns:a="http://schemas.openxmlformats.org/drawingml/2006/main" uniqueId="urn:microsoft.com/office/officeart/2005/8/quickstyle/simple1">
+  <dgm:title val=""/>
+  <dgm:desc val=""/>
+  <dgm:catLst>
+    <dgm:cat type="simple" pri="10100"/>
+  </dgm:catLst>
+  <dgm:scene3d>
+    <a:camera prst="orthographicFront"/>
+    <a:lightRig rig="threePt" dir="t"/>
+  </dgm:scene3d>
+  <dgm:styleLbl name="node0">
+    <dgm:scene3d>
+      <a:camera prst="orthographicFront"/>
+      <a:lightRig rig="threePt" dir="t"/>
+    </dgm:scene3d>
+    <dgm:sp3d/>
+    <dgm:txPr/>
+    <dgm:style>
+      <a:lnRef idx="2">
+        <a:scrgbClr r="0" g="0" b="0"/>
+      </a:lnRef>
+      <a:fillRef idx="1">
+        <a:scrgbClr r="0" g="0" b="0"/>
+      </a:fillRef>
+      <a:effectRef idx="0">
+        <a:scrgbClr r="0" g="0" b="0"/>
+      </a:effectRef>
+      <a:fontRef idx="minor">
+        <a:schemeClr val="lt1"/>
+      </a:fontRef>
+    </dgm:style>
+  </dgm:styleLbl>
+  <dgm:styleLbl name="lnNode1">
+    <dgm:scene3d>
+      <a:camera prst="orthographicFront"/>
+      <a:lightRig rig="threePt" dir="t"/>
+    </dgm:scene3d>
+    <dgm:sp3d/>
+    <dgm:txPr/>
+    <dgm:style>
+      <a:lnRef idx="2">
+        <a:scrgbClr r="0" g="0" b="0"/>
+      </a:lnRef>
+      <a:fillRef idx="1">
+        <a:scrgbClr r="0" g="0" b="0"/>
+      </a:fillRef>
+      <a:effectRef idx="0">
+        <a:scrgbClr r="0" g="0" b="0"/>
+      </a:effectRef>
+      <a:fontRef idx="minor">
+        <a:schemeClr val="lt1"/>
+      </a:fontRef>
+    </dgm:style>
+  </dgm:styleLbl>
+  <dgm:styleLbl name="vennNode1">
+    <dgm:scene3d>
+      <a:camera prst="orthographicFront"/>
+      <a:lightRig rig="threePt" dir="t"/>
+    </dgm:scene3d>
+    <dgm:sp3d/>
+    <dgm:txPr/>
+    <dgm:style>
+      <a:lnRef idx="2">
+        <a:scrgbClr r="0" g="0" b="0"/>
+      </a:lnRef>
+      <a:fillRef idx="1">
+        <a:scrgbClr r="0" g="0" b="0"/>
+      </a:fillRef>
+      <a:effectRef idx="0">
+        <a:scrgbClr r="0" g="0" b="0"/>
+      </a:effectRef>
+      <a:fontRef idx="minor">
+        <a:schemeClr val="tx1"/>
+      </a:fontRef>
+    </dgm:style>
+  </dgm:styleLbl>
+  <dgm:styleLbl name="alignNode1">
+    <dgm:scene3d>
+      <a:camera prst="orthographicFront"/>
+      <a:lightRig rig="threePt" dir="t"/>
+    </dgm:scene3d>
+    <dgm:sp3d/>
+    <dgm:txPr/>
+    <dgm:style>
+      <a:lnRef idx="2">
+        <a:scrgbClr r="0" g="0" b="0"/>
+      </a:lnRef>
+      <a:fillRef idx="1">
+        <a:scrgbClr r="0" g="0" b="0"/>
+      </a:fillRef>
+      <a:effectRef idx="0">
+        <a:scrgbClr r="0" g="0" b="0"/>
+      </a:effectRef>
+      <a:fontRef idx="minor">
+        <a:schemeClr val="lt1"/>
+      </a:fontRef>
+    </dgm:style>
+  </dgm:styleLbl>
+  <dgm:styleLbl name="node1">
+    <dgm:scene3d>
+      <a:camera prst="orthographicFront"/>
+      <a:lightRig rig="threePt" dir="t"/>
+    </dgm:scene3d>
+    <dgm:sp3d/>
+    <dgm:txPr/>
+    <dgm:style>
+      <a:lnRef idx="2">
+        <a:scrgbClr r="0" g="0" b="0"/>
+      </a:lnRef>
+      <a:fillRef idx="1">
+        <a:scrgbClr r="0" g="0" b="0"/>
+      </a:fillRef>
+      <a:effectRef idx="0">
+        <a:scrgbClr r="0" g="0" b="0"/>
+      </a:effectRef>
+      <a:fontRef idx="minor">
+        <a:schemeClr val="lt1"/>
+      </a:fontRef>
+    </dgm:style>
+  </dgm:styleLbl>
+  <dgm:styleLbl name="node2">
+    <dgm:scene3d>
+      <a:camera prst="orthographicFront"/>
+      <a:lightRig rig="threePt" dir="t"/>
+    </dgm:scene3d>
+    <dgm:sp3d/>
+    <dgm:txPr/>
+    <dgm:style>
+      <a:lnRef idx="2">
+        <a:scrgbClr r="0" g="0" b="0"/>
+      </a:lnRef>
+      <a:fillRef idx="1">
+        <a:scrgbClr r="0" g="0" b="0"/>
+      </a:fillRef>
+      <a:effectRef idx="0">
+        <a:scrgbClr r="0" g="0" b="0"/>
+      </a:effectRef>
+      <a:fontRef idx="minor">
+        <a:schemeClr val="lt1"/>
+      </a:fontRef>
+    </dgm:style>
+  </dgm:styleLbl>
+  <dgm:styleLbl name="node3">
+    <dgm:scene3d>
+      <a:camera prst="orthographicFront"/>
+      <a:lightRig rig="threePt" dir="t"/>
+    </dgm:scene3d>
+    <dgm:sp3d/>
+    <dgm:txPr/>
+    <dgm:style>
+      <a:lnRef idx="2">
+        <a:scrgbClr r="0" g="0" b="0"/>
+      </a:lnRef>
+      <a:fillRef idx="1">
+        <a:scrgbClr r="0" g="0" b="0"/>
+      </a:fillRef>
+      <a:effectRef idx="0">
+        <a:scrgbClr r="0" g="0" b="0"/>
+      </a:effectRef>
+      <a:fontRef idx="minor">
+        <a:schemeClr val="lt1"/>
+      </a:fontRef>
+    </dgm:style>
+  </dgm:styleLbl>
+  <dgm:styleLbl name="node4">
+    <dgm:scene3d>
+      <a:camera prst="orthographicFront"/>
+      <a:lightRig rig="threePt" dir="t"/>
+    </dgm:scene3d>
+    <dgm:sp3d/>
+    <dgm:txPr/>
+    <dgm:style>
+      <a:lnRef idx="2">
+        <a:scrgbClr r="0" g="0" b="0"/>
+      </a:lnRef>
+      <a:fillRef idx="1">
+        <a:scrgbClr r="0" g="0" b="0"/>
+      </a:fillRef>
+      <a:effectRef idx="0">
+        <a:scrgbClr r="0" g="0" b="0"/>
+      </a:effectRef>
+      <a:fontRef idx="minor">
+        <a:schemeClr val="lt1"/>
+      </a:fontRef>
+    </dgm:style>
+  </dgm:styleLbl>
+  <dgm:styleLbl name="fgImgPlace1">
+    <dgm:scene3d>
+      <a:camera prst="orthographicFront"/>
+      <a:lightRig rig="threePt" dir="t"/>
+    </dgm:scene3d>
+    <dgm:sp3d/>
+    <dgm:txPr/>
+    <dgm:style>
+      <a:lnRef idx="2">
+        <a:scrgbClr r="0" g="0" b="0"/>
+      </a:lnRef>
+      <a:fillRef idx="1">
+        <a:scrgbClr r="0" g="0" b="0"/>
+      </a:fillRef>
+      <a:effectRef idx="0">
+        <a:scrgbClr r="0" g="0" b="0"/>
+      </a:effectRef>
+      <a:fontRef idx="minor"/>
+    </dgm:style>
+  </dgm:styleLbl>
+  <dgm:styleLbl name="alignImgPlace1">
+    <dgm:scene3d>
+      <a:camera prst="orthographicFront"/>
+      <a:lightRig rig="threePt" dir="t"/>
+    </dgm:scene3d>
+    <dgm:sp3d/>
+    <dgm:txPr/>
+    <dgm:style>
+      <a:lnRef idx="2">
+        <a:scrgbClr r="0" g="0" b="0"/>
+      </a:lnRef>
+      <a:fillRef idx="1">
+        <a:scrgbClr r="0" g="0" b="0"/>
+      </a:fillRef>
+      <a:effectRef idx="0">
+        <a:scrgbClr r="0" g="0" b="0"/>
+      </a:effectRef>
+      <a:fontRef idx="minor"/>
+    </dgm:style>
+  </dgm:styleLbl>
+  <dgm:styleLbl name="bgImgPlace1">
+    <dgm:scene3d>
+      <a:camera prst="orthographicFront"/>
+      <a:lightRig rig="threePt" dir="t"/>
+    </dgm:scene3d>
+    <dgm:sp3d/>
+    <dgm:txPr/>
+    <dgm:style>
+      <a:lnRef idx="2">
+        <a:scrgbClr r="0" g="0" b="0"/>
+      </a:lnRef>
+      <a:fillRef idx="1">
+        <a:scrgbClr r="0" g="0" b="0"/>
+      </a:fillRef>
+      <a:effectRef idx="0">
+        <a:scrgbClr r="0" g="0" b="0"/>
+      </a:effectRef>
+      <a:fontRef idx="minor"/>
+    </dgm:style>
+  </dgm:styleLbl>
+  <dgm:styleLbl name="sibTrans2D1">
+    <dgm:scene3d>
+      <a:camera prst="orthographicFront"/>
+      <a:lightRig rig="threePt" dir="t"/>
+    </dgm:scene3d>
+    <dgm:sp3d/>
+    <dgm:txPr/>
+    <dgm:style>
+      <a:lnRef idx="0">
+        <a:scrgbClr r="0" g="0" b="0"/>
+      </a:lnRef>
+      <a:fillRef idx="1">
+        <a:scrgbClr r="0" g="0" b="0"/>
+      </a:fillRef>
+      <a:effectRef idx="0">
+        <a:scrgbClr r="0" g="0" b="0"/>
+      </a:effectRef>
+      <a:fontRef idx="minor">
+        <a:schemeClr val="lt1"/>
+      </a:fontRef>
+    </dgm:style>
+  </dgm:styleLbl>
+  <dgm:styleLbl name="fgSibTrans2D1">
+    <dgm:scene3d>
+      <a:camera prst="orthographicFront"/>
+      <a:lightRig rig="threePt" dir="t"/>
+    </dgm:scene3d>
+    <dgm:sp3d/>
+    <dgm:txPr/>
+    <dgm:style>
+      <a:lnRef idx="0">
+        <a:scrgbClr r="0" g="0" b="0"/>
+      </a:lnRef>
+      <a:fillRef idx="1">
+        <a:scrgbClr r="0" g="0" b="0"/>
+      </a:fillRef>
+      <a:effectRef idx="0">
+        <a:scrgbClr r="0" g="0" b="0"/>
+      </a:effectRef>
+      <a:fontRef idx="minor">
+        <a:schemeClr val="lt1"/>
+      </a:fontRef>
+    </dgm:style>
+  </dgm:styleLbl>
+  <dgm:styleLbl name="bgSibTrans2D1">
+    <dgm:scene3d>
+      <a:camera prst="orthographicFront"/>
+      <a:lightRig rig="threePt" dir="t"/>
+    </dgm:scene3d>
+    <dgm:sp3d/>
+    <dgm:txPr/>
+    <dgm:style>
+      <a:lnRef idx="0">
+        <a:scrgbClr r="0" g="0" b="0"/>
+      </a:lnRef>
+      <a:fillRef idx="1">
+        <a:scrgbClr r="0" g="0" b="0"/>
+      </a:fillRef>
+      <a:effectRef idx="0">
+        <a:scrgbClr r="0" g="0" b="0"/>
+      </a:effectRef>
+      <a:fontRef idx="minor">
+        <a:schemeClr val="lt1"/>
+      </a:fontRef>
+    </dgm:style>
+  </dgm:styleLbl>
+  <dgm:styleLbl name="sibTrans1D1">
+    <dgm:scene3d>
+      <a:camera prst="orthographicFront"/>
+      <a:lightRig rig="threePt" dir="t"/>
+    </dgm:scene3d>
+    <dgm:sp3d/>
+    <dgm:txPr/>
+    <dgm:style>
+      <a:lnRef idx="1">
+        <a:scrgbClr r="0" g="0" b="0"/>
+      </a:lnRef>
+      <a:fillRef idx="0">
+        <a:scrgbClr r="0" g="0" b="0"/>
+      </a:fillRef>
+      <a:effectRef idx="0">
+        <a:scrgbClr r="0" g="0" b="0"/>
+      </a:effectRef>
+      <a:fontRef idx="minor"/>
+    </dgm:style>
+  </dgm:styleLbl>
+  <dgm:styleLbl name="callout">
+    <dgm:scene3d>
+      <a:camera prst="orthographicFront"/>
+      <a:lightRig rig="threePt" dir="t"/>
+    </dgm:scene3d>
+    <dgm:sp3d/>
+    <dgm:txPr/>
+    <dgm:style>
+      <a:lnRef idx="2">
+        <a:scrgbClr r="0" g="0" b="0"/>
+      </a:lnRef>
+      <a:fillRef idx="1">
+        <a:scrgbClr r="0" g="0" b="0"/>
+      </a:fillRef>
+      <a:effectRef idx="0">
+        <a:scrgbClr r="0" g="0" b="0"/>
+      </a:effectRef>
+      <a:fontRef idx="minor"/>
+    </dgm:style>
+  </dgm:styleLbl>
+  <dgm:styleLbl name="asst0">
+    <dgm:scene3d>
+      <a:camera prst="orthographicFront"/>
+      <a:lightRig rig="threePt" dir="t"/>
+    </dgm:scene3d>
+    <dgm:sp3d/>
+    <dgm:txPr/>
+    <dgm:style>
+      <a:lnRef idx="2">
+        <a:scrgbClr r="0" g="0" b="0"/>
+      </a:lnRef>
+      <a:fillRef idx="1">
+        <a:scrgbClr r="0" g="0" b="0"/>
+      </a:fillRef>
+      <a:effectRef idx="0">
+        <a:scrgbClr r="0" g="0" b="0"/>
+      </a:effectRef>
+      <a:fontRef idx="minor">
+        <a:schemeClr val="lt1"/>
+      </a:fontRef>
+    </dgm:style>
+  </dgm:styleLbl>
+  <dgm:styleLbl name="asst1">
+    <dgm:scene3d>
+      <a:camera prst="orthographicFront"/>
+      <a:lightRig rig="threePt" dir="t"/>
+    </dgm:scene3d>
+    <dgm:sp3d/>
+    <dgm:txPr/>
+    <dgm:style>
+      <a:lnRef idx="2">
+        <a:scrgbClr r="0" g="0" b="0"/>
+      </a:lnRef>
+      <a:fillRef idx="1">
+        <a:scrgbClr r="0" g="0" b="0"/>
+      </a:fillRef>
+      <a:effectRef idx="0">
+        <a:scrgbClr r="0" g="0" b="0"/>
+      </a:effectRef>
+      <a:fontRef idx="minor">
+        <a:schemeClr val="lt1"/>
+      </a:fontRef>
+    </dgm:style>
+  </dgm:styleLbl>
+  <dgm:styleLbl name="asst2">
+    <dgm:scene3d>
+      <a:camera prst="orthographicFront"/>
+      <a:lightRig rig="threePt" dir="t"/>
+    </dgm:scene3d>
+    <dgm:sp3d/>
+    <dgm:txPr/>
+    <dgm:style>
+      <a:lnRef idx="2">
+        <a:scrgbClr r="0" g="0" b="0"/>
+      </a:lnRef>
+      <a:fillRef idx="1">
+        <a:scrgbClr r="0" g="0" b="0"/>
+      </a:fillRef>
+      <a:effectRef idx="0">
+        <a:scrgbClr r="0" g="0" b="0"/>
+      </a:effectRef>
+      <a:fontRef idx="minor">
+        <a:schemeClr val="lt1"/>
+      </a:fontRef>
+    </dgm:style>
+  </dgm:styleLbl>
+  <dgm:styleLbl name="asst3">
+    <dgm:scene3d>
+      <a:camera prst="orthographicFront"/>
+      <a:lightRig rig="threePt" dir="t"/>
+    </dgm:scene3d>
+    <dgm:sp3d/>
+    <dgm:txPr/>
+    <dgm:style>
+      <a:lnRef idx="2">
+        <a:scrgbClr r="0" g="0" b="0"/>
+      </a:lnRef>
+      <a:fillRef idx="1">
+        <a:scrgbClr r="0" g="0" b="0"/>
+      </a:fillRef>
+      <a:effectRef idx="0">
+        <a:scrgbClr r="0" g="0" b="0"/>
+      </a:effectRef>
+      <a:fontRef idx="minor">
+        <a:schemeClr val="lt1"/>
+      </a:fontRef>
+    </dgm:style>
+  </dgm:styleLbl>
+  <dgm:styleLbl name="asst4">
+    <dgm:scene3d>
+      <a:camera prst="orthographicFront"/>
+      <a:lightRig rig="threePt" dir="t"/>
+    </dgm:scene3d>
+    <dgm:sp3d/>
+    <dgm:txPr/>
+    <dgm:style>
+      <a:lnRef idx="2">
+        <a:scrgbClr r="0" g="0" b="0"/>
+      </a:lnRef>
+      <a:fillRef idx="1">
+        <a:scrgbClr r="0" g="0" b="0"/>
+      </a:fillRef>
+      <a:effectRef idx="0">
+        <a:scrgbClr r="0" g="0" b="0"/>
+      </a:effectRef>
+      <a:fontRef idx="minor">
+        <a:schemeClr val="lt1"/>
+      </a:fontRef>
+    </dgm:style>
+  </dgm:styleLbl>
+  <dgm:styleLbl name="parChTrans2D1">
+    <dgm:scene3d>
+      <a:camera prst="orthographicFront"/>
+      <a:lightRig rig="threePt" dir="t"/>
+    </dgm:scene3d>
+    <dgm:sp3d/>
+    <dgm:txPr/>
+    <dgm:style>
+      <a:lnRef idx="2">
+        <a:scrgbClr r="0" g="0" b="0"/>
+      </a:lnRef>
+      <a:fillRef idx="1">
+        <a:scrgbClr r="0" g="0" b="0"/>
+      </a:fillRef>
+      <a:effectRef idx="0">
+        <a:scrgbClr r="0" g="0" b="0"/>
+      </a:effectRef>
+      <a:fontRef idx="minor">
+        <a:schemeClr val="lt1"/>
+      </a:fontRef>
+    </dgm:style>
+  </dgm:styleLbl>
+  <dgm:styleLbl name="parChTrans2D2">
+    <dgm:scene3d>
+      <a:camera prst="orthographicFront"/>
+      <a:lightRig rig="threePt" dir="t"/>
+    </dgm:scene3d>
+    <dgm:sp3d/>
+    <dgm:txPr/>
+    <dgm:style>
+      <a:lnRef idx="2">
+        <a:scrgbClr r="0" g="0" b="0"/>
+      </a:lnRef>
+      <a:fillRef idx="1">
+        <a:scrgbClr r="0" g="0" b="0"/>
+      </a:fillRef>
+      <a:effectRef idx="0">
+        <a:scrgbClr r="0" g="0" b="0"/>
+      </a:effectRef>
+      <a:fontRef idx="minor">
+        <a:schemeClr val="lt1"/>
+      </a:fontRef>
+    </dgm:style>
+  </dgm:styleLbl>
+  <dgm:styleLbl name="parChTrans2D3">
+    <dgm:scene3d>
+      <a:camera prst="orthographicFront"/>
+      <a:lightRig rig="threePt" dir="t"/>
+    </dgm:scene3d>
+    <dgm:sp3d/>
+    <dgm:txPr/>
+    <dgm:style>
+      <a:lnRef idx="2">
+        <a:scrgbClr r="0" g="0" b="0"/>
+      </a:lnRef>
+      <a:fillRef idx="1">
+        <a:scrgbClr r="0" g="0" b="0"/>
+      </a:fillRef>
+      <a:effectRef idx="0">
+        <a:scrgbClr r="0" g="0" b="0"/>
+      </a:effectRef>
+      <a:fontRef idx="minor">
+        <a:schemeClr val="lt1"/>
+      </a:fontRef>
+    </dgm:style>
+  </dgm:styleLbl>
+  <dgm:styleLbl name="parChTrans2D4">
+    <dgm:scene3d>
+      <a:camera prst="orthographicFront"/>
+      <a:lightRig rig="threePt" dir="t"/>
+    </dgm:scene3d>
+    <dgm:sp3d/>
+    <dgm:txPr/>
+    <dgm:style>
+      <a:lnRef idx="2">
+        <a:scrgbClr r="0" g="0" b="0"/>
+      </a:lnRef>
+      <a:fillRef idx="1">
+        <a:scrgbClr r="0" g="0" b="0"/>
+      </a:fillRef>
+      <a:effectRef idx="0">
+        <a:scrgbClr r="0" g="0" b="0"/>
+      </a:effectRef>
+      <a:fontRef idx="minor">
+        <a:schemeClr val="lt1"/>
+      </a:fontRef>
+    </dgm:style>
+  </dgm:styleLbl>
+  <dgm:styleLbl name="parChTrans1D1">
+    <dgm:scene3d>
+      <a:camera prst="orthographicFront"/>
+      <a:lightRig rig="threePt" dir="t"/>
+    </dgm:scene3d>
+    <dgm:sp3d/>
+    <dgm:txPr/>
+    <dgm:style>
+      <a:lnRef idx="2">
+        <a:scrgbClr r="0" g="0" b="0"/>
+      </a:lnRef>
+      <a:fillRef idx="0">
+        <a:scrgbClr r="0" g="0" b="0"/>
+      </a:fillRef>
+      <a:effectRef idx="0">
+        <a:scrgbClr r="0" g="0" b="0"/>
+      </a:effectRef>
+      <a:fontRef idx="minor"/>
+    </dgm:style>
+  </dgm:styleLbl>
+  <dgm:styleLbl name="parChTrans1D2">
+    <dgm:scene3d>
+      <a:camera prst="orthographicFront"/>
+      <a:lightRig rig="threePt" dir="t"/>
+    </dgm:scene3d>
+    <dgm:sp3d/>
+    <dgm:txPr/>
+    <dgm:style>
+      <a:lnRef idx="2">
+        <a:scrgbClr r="0" g="0" b="0"/>
+      </a:lnRef>
+      <a:fillRef idx="0">
+        <a:scrgbClr r="0" g="0" b="0"/>
+      </a:fillRef>
+      <a:effectRef idx="0">
+        <a:scrgbClr r="0" g="0" b="0"/>
+      </a:effectRef>
+      <a:fontRef idx="minor"/>
+    </dgm:style>
+  </dgm:styleLbl>
+  <dgm:styleLbl name="parChTrans1D3">
+    <dgm:scene3d>
+      <a:camera prst="orthographicFront"/>
+      <a:lightRig rig="threePt" dir="t"/>
+    </dgm:scene3d>
+    <dgm:sp3d/>
+    <dgm:txPr/>
+    <dgm:style>
+      <a:lnRef idx="2">
+        <a:scrgbClr r="0" g="0" b="0"/>
+      </a:lnRef>
+      <a:fillRef idx="0">
+        <a:scrgbClr r="0" g="0" b="0"/>
+      </a:fillRef>
+      <a:effectRef idx="0">
+        <a:scrgbClr r="0" g="0" b="0"/>
+      </a:effectRef>
+      <a:fontRef idx="minor"/>
+    </dgm:style>
+  </dgm:styleLbl>
+  <dgm:styleLbl name="parChTrans1D4">
+    <dgm:scene3d>
+      <a:camera prst="orthographicFront"/>
+      <a:lightRig rig="threePt" dir="t"/>
+    </dgm:scene3d>
+    <dgm:sp3d/>
+    <dgm:txPr/>
+    <dgm:style>
+      <a:lnRef idx="2">
+        <a:scrgbClr r="0" g="0" b="0"/>
+      </a:lnRef>
+      <a:fillRef idx="0">
+        <a:scrgbClr r="0" g="0" b="0"/>
+      </a:fillRef>
+      <a:effectRef idx="0">
+        <a:scrgbClr r="0" g="0" b="0"/>
+      </a:effectRef>
+      <a:fontRef idx="minor"/>
+    </dgm:style>
+  </dgm:styleLbl>
+  <dgm:styleLbl name="fgAcc1">
+    <dgm:scene3d>
+      <a:camera prst="orthographicFront"/>
+      <a:lightRig rig="threePt" dir="t"/>
+    </dgm:scene3d>
+    <dgm:sp3d/>
+    <dgm:txPr/>
+    <dgm:style>
+      <a:lnRef idx="2">
+        <a:scrgbClr r="0" g="0" b="0"/>
+      </a:lnRef>
+      <a:fillRef idx="1">
+        <a:scrgbClr r="0" g="0" b="0"/>
+      </a:fillRef>
+      <a:effectRef idx="0">
+        <a:scrgbClr r="0" g="0" b="0"/>
+      </a:effectRef>
+      <a:fontRef idx="minor"/>
+    </dgm:style>
+  </dgm:styleLbl>
+  <dgm:styleLbl name="conFgAcc1">
+    <dgm:scene3d>
+      <a:camera prst="orthographicFront"/>
+      <a:lightRig rig="threePt" dir="t"/>
+    </dgm:scene3d>
+    <dgm:sp3d/>
+    <dgm:txPr/>
+    <dgm:style>
+      <a:lnRef idx="2">
+        <a:scrgbClr r="0" g="0" b="0"/>
+      </a:lnRef>
+      <a:fillRef idx="1">
+        <a:scrgbClr r="0" g="0" b="0"/>
+      </a:fillRef>
+      <a:effectRef idx="0">
+        <a:scrgbClr r="0" g="0" b="0"/>
+      </a:effectRef>
+      <a:fontRef idx="minor"/>
+    </dgm:style>
+  </dgm:styleLbl>
+  <dgm:styleLbl name="alignAcc1">
+    <dgm:scene3d>
+      <a:camera prst="orthographicFront"/>
+      <a:lightRig rig="threePt" dir="t"/>
+    </dgm:scene3d>
+    <dgm:sp3d/>
+    <dgm:txPr/>
+    <dgm:style>
+      <a:lnRef idx="2">
+        <a:scrgbClr r="0" g="0" b="0"/>
+      </a:lnRef>
+      <a:fillRef idx="1">
+        <a:scrgbClr r="0" g="0" b="0"/>
+      </a:fillRef>
+      <a:effectRef idx="0">
+        <a:scrgbClr r="0" g="0" b="0"/>
+      </a:effectRef>
+      <a:fontRef idx="minor"/>
+    </dgm:style>
+  </dgm:styleLbl>
+  <dgm:styleLbl name="trAlignAcc1">
+    <dgm:scene3d>
+      <a:camera prst="orthographicFront"/>
+      <a:lightRig rig="threePt" dir="t"/>
+    </dgm:scene3d>
+    <dgm:sp3d/>
+    <dgm:txPr/>
+    <dgm:style>
+      <a:lnRef idx="1">
+        <a:scrgbClr r="0" g="0" b="0"/>
+      </a:lnRef>
+      <a:fillRef idx="1">
+        <a:scrgbClr r="0" g="0" b="0"/>
+      </a:fillRef>
+      <a:effectRef idx="0">
+        <a:scrgbClr r="0" g="0" b="0"/>
+      </a:effectRef>
+      <a:fontRef idx="minor"/>
+    </dgm:style>
+  </dgm:styleLbl>
+  <dgm:styleLbl name="bgAcc1">
+    <dgm:scene3d>
+      <a:camera prst="orthographicFront"/>
+      <a:lightRig rig="threePt" dir="t"/>
+    </dgm:scene3d>
+    <dgm:sp3d/>
+    <dgm:txPr/>
+    <dgm:style>
+      <a:lnRef idx="2">
+        <a:scrgbClr r="0" g="0" b="0"/>
+      </a:lnRef>
+      <a:fillRef idx="1">
+        <a:scrgbClr r="0" g="0" b="0"/>
+      </a:fillRef>
+      <a:effectRef idx="0">
+        <a:scrgbClr r="0" g="0" b="0"/>
+      </a:effectRef>
+      <a:fontRef idx="minor"/>
+    </dgm:style>
+  </dgm:styleLbl>
+  <dgm:styleLbl name="solidFgAcc1">
+    <dgm:scene3d>
+      <a:camera prst="orthographicFront"/>
+      <a:lightRig rig="threePt" dir="t"/>
+    </dgm:scene3d>
+    <dgm:sp3d/>
+    <dgm:txPr/>
+    <dgm:style>
+      <a:lnRef idx="2">
+        <a:scrgbClr r="0" g="0" b="0"/>
+      </a:lnRef>
+      <a:fillRef idx="1">
+        <a:scrgbClr r="0" g="0" b="0"/>
+      </a:fillRef>
+      <a:effectRef idx="0">
+        <a:scrgbClr r="0" g="0" b="0"/>
+      </a:effectRef>
+      <a:fontRef idx="minor"/>
+    </dgm:style>
+  </dgm:styleLbl>
+  <dgm:styleLbl name="solidAlignAcc1">
+    <dgm:scene3d>
+      <a:camera prst="orthographicFront"/>
+      <a:lightRig rig="threePt" dir="t"/>
+    </dgm:scene3d>
+    <dgm:sp3d/>
+    <dgm:txPr/>
+    <dgm:style>
+      <a:lnRef idx="2">
+        <a:scrgbClr r="0" g="0" b="0"/>
+      </a:lnRef>
+      <a:fillRef idx="1">
+        <a:scrgbClr r="0" g="0" b="0"/>
+      </a:fillRef>
+      <a:effectRef idx="0">
+        <a:scrgbClr r="0" g="0" b="0"/>
+      </a:effectRef>
+      <a:fontRef idx="minor"/>
+    </dgm:style>
+  </dgm:styleLbl>
+  <dgm:styleLbl name="solidBgAcc1">
+    <dgm:scene3d>
+      <a:camera prst="orthographicFront"/>
+      <a:lightRig rig="threePt" dir="t"/>
+    </dgm:scene3d>
+    <dgm:sp3d/>
+    <dgm:txPr/>
+    <dgm:style>
+      <a:lnRef idx="2">
+        <a:scrgbClr r="0" g="0" b="0"/>
+      </a:lnRef>
+      <a:fillRef idx="1">
+        <a:scrgbClr r="0" g="0" b="0"/>
+      </a:fillRef>
+      <a:effectRef idx="0">
+        <a:scrgbClr r="0" g="0" b="0"/>
+      </a:effectRef>
+      <a:fontRef idx="minor"/>
+    </dgm:style>
+  </dgm:styleLbl>
+  <dgm:styleLbl name="fgAccFollowNode1">
+    <dgm:scene3d>
+      <a:camera prst="orthographicFront"/>
+      <a:lightRig rig="threePt" dir="t"/>
+    </dgm:scene3d>
+    <dgm:sp3d/>
+    <dgm:txPr/>
+    <dgm:style>
+      <a:lnRef idx="2">
+        <a:scrgbClr r="0" g="0" b="0"/>
+      </a:lnRef>
+      <a:fillRef idx="1">
+        <a:scrgbClr r="0" g="0" b="0"/>
+      </a:fillRef>
+      <a:effectRef idx="0">
+        <a:scrgbClr r="0" g="0" b="0"/>
+      </a:effectRef>
+      <a:fontRef idx="minor"/>
+    </dgm:style>
+  </dgm:styleLbl>
+  <dgm:styleLbl name="alignAccFollowNode1">
+    <dgm:scene3d>
+      <a:camera prst="orthographicFront"/>
+      <a:lightRig rig="threePt" dir="t"/>
+    </dgm:scene3d>
+    <dgm:sp3d/>
+    <dgm:txPr/>
+    <dgm:style>
+      <a:lnRef idx="2">
+        <a:scrgbClr r="0" g="0" b="0"/>
+      </a:lnRef>
+      <a:fillRef idx="1">
+        <a:scrgbClr r="0" g="0" b="0"/>
+      </a:fillRef>
+      <a:effectRef idx="0">
+        <a:scrgbClr r="0" g="0" b="0"/>
+      </a:effectRef>
+      <a:fontRef idx="minor"/>
+    </dgm:style>
+  </dgm:styleLbl>
+  <dgm:styleLbl name="bgAccFollowNode1">
+    <dgm:scene3d>
+      <a:camera prst="orthographicFront"/>
+      <a:lightRig rig="threePt" dir="t"/>
+    </dgm:scene3d>
+    <dgm:sp3d/>
+    <dgm:txPr/>
+    <dgm:style>
+      <a:lnRef idx="2">
+        <a:scrgbClr r="0" g="0" b="0"/>
+      </a:lnRef>
+      <a:fillRef idx="1">
+        <a:scrgbClr r="0" g="0" b="0"/>
+      </a:fillRef>
+      <a:effectRef idx="0">
+        <a:scrgbClr r="0" g="0" b="0"/>
+      </a:effectRef>
+      <a:fontRef idx="minor"/>
+    </dgm:style>
+  </dgm:styleLbl>
+  <dgm:styleLbl name="fgAcc0">
+    <dgm:scene3d>
+      <a:camera prst="orthographicFront"/>
+      <a:lightRig rig="threePt" dir="t"/>
+    </dgm:scene3d>
+    <dgm:sp3d/>
+    <dgm:txPr/>
+    <dgm:style>
+      <a:lnRef idx="2">
+        <a:scrgbClr r="0" g="0" b="0"/>
+      </a:lnRef>
+      <a:fillRef idx="1">
+        <a:scrgbClr r="0" g="0" b="0"/>
+      </a:fillRef>
+      <a:effectRef idx="0">
+        <a:scrgbClr r="0" g="0" b="0"/>
+      </a:effectRef>
+      <a:fontRef idx="minor"/>
+    </dgm:style>
+  </dgm:styleLbl>
+  <dgm:styleLbl name="fgAcc2">
+    <dgm:scene3d>
+      <a:camera prst="orthographicFront"/>
+      <a:lightRig rig="threePt" dir="t"/>
+    </dgm:scene3d>
+    <dgm:sp3d/>
+    <dgm:txPr/>
+    <dgm:style>
+      <a:lnRef idx="2">
+        <a:scrgbClr r="0" g="0" b="0"/>
+      </a:lnRef>
+      <a:fillRef idx="1">
+        <a:scrgbClr r="0" g="0" b="0"/>
+      </a:fillRef>
+      <a:effectRef idx="0">
+        <a:scrgbClr r="0" g="0" b="0"/>
+      </a:effectRef>
+      <a:fontRef idx="minor"/>
+    </dgm:style>
+  </dgm:styleLbl>
+  <dgm:styleLbl name="fgAcc3">
+    <dgm:scene3d>
+      <a:camera prst="orthographicFront"/>
+      <a:lightRig rig="threePt" dir="t"/>
+    </dgm:scene3d>
+    <dgm:sp3d/>
+    <dgm:txPr/>
+    <dgm:style>
+      <a:lnRef idx="2">
+        <a:scrgbClr r="0" g="0" b="0"/>
+      </a:lnRef>
+      <a:fillRef idx="1">
+        <a:scrgbClr r="0" g="0" b="0"/>
+      </a:fillRef>
+      <a:effectRef idx="0">
+        <a:scrgbClr r="0" g="0" b="0"/>
+      </a:effectRef>
+      <a:fontRef idx="minor"/>
+    </dgm:style>
+  </dgm:styleLbl>
+  <dgm:styleLbl name="fgAcc4">
+    <dgm:scene3d>
+      <a:camera prst="orthographicFront"/>
+      <a:lightRig rig="threePt" dir="t"/>
+    </dgm:scene3d>
+    <dgm:sp3d/>
+    <dgm:txPr/>
+    <dgm:style>
+      <a:lnRef idx="2">
+        <a:scrgbClr r="0" g="0" b="0"/>
+      </a:lnRef>
+      <a:fillRef idx="1">
+        <a:scrgbClr r="0" g="0" b="0"/>
+      </a:fillRef>
+      <a:effectRef idx="0">
+        <a:scrgbClr r="0" g="0" b="0"/>
+      </a:effectRef>
+      <a:fontRef idx="minor"/>
+    </dgm:style>
+  </dgm:styleLbl>
+  <dgm:styleLbl name="bgShp">
+    <dgm:scene3d>
+      <a:camera prst="orthographicFront"/>
+      <a:lightRig rig="threePt" dir="t"/>
+    </dgm:scene3d>
+    <dgm:sp3d/>
+    <dgm:txPr/>
+    <dgm:style>
+      <a:lnRef idx="0">
+        <a:scrgbClr r="0" g="0" b="0"/>
+      </a:lnRef>
+      <a:fillRef idx="1">
+        <a:scrgbClr r="0" g="0" b="0"/>
+      </a:fillRef>
+      <a:effectRef idx="0">
+        <a:scrgbClr r="0" g="0" b="0"/>
+      </a:effectRef>
+      <a:fontRef idx="minor"/>
+    </dgm:style>
+  </dgm:styleLbl>
+  <dgm:styleLbl name="dkBgShp">
+    <dgm:scene3d>
+      <a:camera prst="orthographicFront"/>
+      <a:lightRig rig="threePt" dir="t"/>
+    </dgm:scene3d>
+    <dgm:sp3d/>
+    <dgm:txPr/>
+    <dgm:style>
+      <a:lnRef idx="0">
+        <a:scrgbClr r="0" g="0" b="0"/>
+      </a:lnRef>
+      <a:fillRef idx="1">
+        <a:scrgbClr r="0" g="0" b="0"/>
+      </a:fillRef>
+      <a:effectRef idx="0">
+        <a:scrgbClr r="0" g="0" b="0"/>
+      </a:effectRef>
+      <a:fontRef idx="minor"/>
+    </dgm:style>
+  </dgm:styleLbl>
+  <dgm:styleLbl name="trBgShp">
+    <dgm:scene3d>
+      <a:camera prst="orthographicFront"/>
+      <a:lightRig rig="threePt" dir="t"/>
+    </dgm:scene3d>
+    <dgm:sp3d/>
+    <dgm:txPr/>
+    <dgm:style>
+      <a:lnRef idx="0">
+        <a:scrgbClr r="0" g="0" b="0"/>
+      </a:lnRef>
+      <a:fillRef idx="1">
+        <a:scrgbClr r="0" g="0" b="0"/>
+      </a:fillRef>
+      <a:effectRef idx="0">
+        <a:scrgbClr r="0" g="0" b="0"/>
+      </a:effectRef>
+      <a:fontRef idx="minor"/>
+    </dgm:style>
+  </dgm:styleLbl>
+  <dgm:styleLbl name="fgShp">
+    <dgm:scene3d>
+      <a:camera prst="orthographicFront"/>
+      <a:lightRig rig="threePt" dir="t"/>
+    </dgm:scene3d>
+    <dgm:sp3d/>
+    <dgm:txPr/>
+    <dgm:style>
+      <a:lnRef idx="2">
+        <a:scrgbClr r="0" g="0" b="0"/>
+      </a:lnRef>
+      <a:fillRef idx="1">
+        <a:scrgbClr r="0" g="0" b="0"/>
+      </a:fillRef>
+      <a:effectRef idx="0">
+        <a:scrgbClr r="0" g="0" b="0"/>
+      </a:effectRef>
+      <a:fontRef idx="minor"/>
+    </dgm:style>
+  </dgm:styleLbl>
+  <dgm:styleLbl name="revTx">
+    <dgm:scene3d>
+      <a:camera prst="orthographicFront"/>
+      <a:lightRig rig="threePt" dir="t"/>
+    </dgm:scene3d>
+    <dgm:sp3d/>
+    <dgm:txPr/>
+    <dgm:style>
+      <a:lnRef idx="0">
+        <a:scrgbClr r="0" g="0" b="0"/>
+      </a:lnRef>
+      <a:fillRef idx="0">
+        <a:scrgbClr r="0" g="0" b="0"/>
+      </a:fillRef>
+      <a:effectRef idx="0">
+        <a:scrgbClr r="0" g="0" b="0"/>
+      </a:effectRef>
+      <a:fontRef idx="minor"/>
+    </dgm:style>
+  </dgm:styleLbl>
+</dgm:styleDef>
 </file>
 
 <file path=ppt/slideLayouts/slideLayout1.xml><?xml version="1.0" encoding="utf-8"?>
@@ -288,7 +4421,7 @@
           <a:p>
             <a:fld id="{672F5F3F-E689-4362-8F83-2D92B1D4E778}" type="datetimeFigureOut">
               <a:rPr lang="de-DE" smtClean="0"/>
-              <a:t>05.03.2017</a:t>
+              <a:t>07.05.2017</a:t>
             </a:fld>
             <a:endParaRPr lang="de-DE"/>
           </a:p>
@@ -458,7 +4591,7 @@
           <a:p>
             <a:fld id="{672F5F3F-E689-4362-8F83-2D92B1D4E778}" type="datetimeFigureOut">
               <a:rPr lang="de-DE" smtClean="0"/>
-              <a:t>05.03.2017</a:t>
+              <a:t>07.05.2017</a:t>
             </a:fld>
             <a:endParaRPr lang="de-DE"/>
           </a:p>
@@ -638,7 +4771,7 @@
           <a:p>
             <a:fld id="{672F5F3F-E689-4362-8F83-2D92B1D4E778}" type="datetimeFigureOut">
               <a:rPr lang="de-DE" smtClean="0"/>
-              <a:t>05.03.2017</a:t>
+              <a:t>07.05.2017</a:t>
             </a:fld>
             <a:endParaRPr lang="de-DE"/>
           </a:p>
@@ -808,7 +4941,7 @@
           <a:p>
             <a:fld id="{672F5F3F-E689-4362-8F83-2D92B1D4E778}" type="datetimeFigureOut">
               <a:rPr lang="de-DE" smtClean="0"/>
-              <a:t>05.03.2017</a:t>
+              <a:t>07.05.2017</a:t>
             </a:fld>
             <a:endParaRPr lang="de-DE"/>
           </a:p>
@@ -1054,7 +5187,7 @@
           <a:p>
             <a:fld id="{672F5F3F-E689-4362-8F83-2D92B1D4E778}" type="datetimeFigureOut">
               <a:rPr lang="de-DE" smtClean="0"/>
-              <a:t>05.03.2017</a:t>
+              <a:t>07.05.2017</a:t>
             </a:fld>
             <a:endParaRPr lang="de-DE"/>
           </a:p>
@@ -1342,7 +5475,7 @@
           <a:p>
             <a:fld id="{672F5F3F-E689-4362-8F83-2D92B1D4E778}" type="datetimeFigureOut">
               <a:rPr lang="de-DE" smtClean="0"/>
-              <a:t>05.03.2017</a:t>
+              <a:t>07.05.2017</a:t>
             </a:fld>
             <a:endParaRPr lang="de-DE"/>
           </a:p>
@@ -1764,7 +5897,7 @@
           <a:p>
             <a:fld id="{672F5F3F-E689-4362-8F83-2D92B1D4E778}" type="datetimeFigureOut">
               <a:rPr lang="de-DE" smtClean="0"/>
-              <a:t>05.03.2017</a:t>
+              <a:t>07.05.2017</a:t>
             </a:fld>
             <a:endParaRPr lang="de-DE"/>
           </a:p>
@@ -1882,7 +6015,7 @@
           <a:p>
             <a:fld id="{672F5F3F-E689-4362-8F83-2D92B1D4E778}" type="datetimeFigureOut">
               <a:rPr lang="de-DE" smtClean="0"/>
-              <a:t>05.03.2017</a:t>
+              <a:t>07.05.2017</a:t>
             </a:fld>
             <a:endParaRPr lang="de-DE"/>
           </a:p>
@@ -1977,7 +6110,7 @@
           <a:p>
             <a:fld id="{672F5F3F-E689-4362-8F83-2D92B1D4E778}" type="datetimeFigureOut">
               <a:rPr lang="de-DE" smtClean="0"/>
-              <a:t>05.03.2017</a:t>
+              <a:t>07.05.2017</a:t>
             </a:fld>
             <a:endParaRPr lang="de-DE"/>
           </a:p>
@@ -2254,7 +6387,7 @@
           <a:p>
             <a:fld id="{672F5F3F-E689-4362-8F83-2D92B1D4E778}" type="datetimeFigureOut">
               <a:rPr lang="de-DE" smtClean="0"/>
-              <a:t>05.03.2017</a:t>
+              <a:t>07.05.2017</a:t>
             </a:fld>
             <a:endParaRPr lang="de-DE"/>
           </a:p>
@@ -2507,7 +6640,7 @@
           <a:p>
             <a:fld id="{672F5F3F-E689-4362-8F83-2D92B1D4E778}" type="datetimeFigureOut">
               <a:rPr lang="de-DE" smtClean="0"/>
-              <a:t>05.03.2017</a:t>
+              <a:t>07.05.2017</a:t>
             </a:fld>
             <a:endParaRPr lang="de-DE"/>
           </a:p>
@@ -2720,7 +6853,7 @@
           <a:p>
             <a:fld id="{672F5F3F-E689-4362-8F83-2D92B1D4E778}" type="datetimeFigureOut">
               <a:rPr lang="de-DE" smtClean="0"/>
-              <a:t>05.03.2017</a:t>
+              <a:t>07.05.2017</a:t>
             </a:fld>
             <a:endParaRPr lang="de-DE"/>
           </a:p>
@@ -3317,6 +7450,140 @@
 </p:sld>
 </file>
 
+<file path=ppt/slides/slide2.xml><?xml version="1.0" encoding="utf-8"?>
+<p:sld xmlns:a="http://schemas.openxmlformats.org/drawingml/2006/main" xmlns:r="http://schemas.openxmlformats.org/officeDocument/2006/relationships" xmlns:p="http://schemas.openxmlformats.org/presentationml/2006/main">
+  <p:cSld>
+    <p:spTree>
+      <p:nvGrpSpPr>
+        <p:cNvPr id="1" name=""/>
+        <p:cNvGrpSpPr/>
+        <p:nvPr/>
+      </p:nvGrpSpPr>
+      <p:grpSpPr>
+        <a:xfrm>
+          <a:off x="0" y="0"/>
+          <a:ext cx="0" cy="0"/>
+          <a:chOff x="0" y="0"/>
+          <a:chExt cx="0" cy="0"/>
+        </a:xfrm>
+      </p:grpSpPr>
+      <p:graphicFrame>
+        <p:nvGraphicFramePr>
+          <p:cNvPr id="5" name="Diagramm 4"/>
+          <p:cNvGraphicFramePr/>
+          <p:nvPr>
+            <p:extLst>
+              <p:ext uri="{D42A27DB-BD31-4B8C-83A1-F6EECF244321}">
+                <p14:modId xmlns:p14="http://schemas.microsoft.com/office/powerpoint/2010/main" val="1558063203"/>
+              </p:ext>
+            </p:extLst>
+          </p:nvPr>
+        </p:nvGraphicFramePr>
+        <p:xfrm>
+          <a:off x="0" y="22384"/>
+          <a:ext cx="9144000" cy="6835615"/>
+        </p:xfrm>
+        <a:graphic>
+          <a:graphicData uri="http://schemas.openxmlformats.org/drawingml/2006/diagram">
+            <dgm:relIds xmlns:dgm="http://schemas.openxmlformats.org/drawingml/2006/diagram" xmlns:r="http://schemas.openxmlformats.org/officeDocument/2006/relationships" r:dm="rId2" r:lo="rId3" r:qs="rId4" r:cs="rId5"/>
+          </a:graphicData>
+        </a:graphic>
+      </p:graphicFrame>
+      <p:pic>
+        <p:nvPicPr>
+          <p:cNvPr id="1026" name="Picture 2" descr="Bildergebnis für kugelkoordinaten"/>
+          <p:cNvPicPr>
+            <a:picLocks noChangeAspect="1" noChangeArrowheads="1"/>
+          </p:cNvPicPr>
+          <p:nvPr/>
+        </p:nvPicPr>
+        <p:blipFill>
+          <a:blip r:embed="rId7">
+            <a:extLst>
+              <a:ext uri="{28A0092B-C50C-407E-A947-70E740481C1C}">
+                <a14:useLocalDpi xmlns:a14="http://schemas.microsoft.com/office/drawing/2010/main" val="0"/>
+              </a:ext>
+            </a:extLst>
+          </a:blip>
+          <a:srcRect/>
+          <a:stretch>
+            <a:fillRect/>
+          </a:stretch>
+        </p:blipFill>
+        <p:spPr bwMode="auto">
+          <a:xfrm>
+            <a:off x="2339752" y="4222448"/>
+            <a:ext cx="2569468" cy="2569468"/>
+          </a:xfrm>
+          <a:prstGeom prst="rect">
+            <a:avLst/>
+          </a:prstGeom>
+          <a:noFill/>
+          <a:extLst>
+            <a:ext uri="{909E8E84-426E-40DD-AFC4-6F175D3DCCD1}">
+              <a14:hiddenFill xmlns:a14="http://schemas.microsoft.com/office/drawing/2010/main">
+                <a:solidFill>
+                  <a:srgbClr val="FFFFFF"/>
+                </a:solidFill>
+              </a14:hiddenFill>
+            </a:ext>
+          </a:extLst>
+        </p:spPr>
+      </p:pic>
+      <p:pic>
+        <p:nvPicPr>
+          <p:cNvPr id="1030" name="Picture 6" descr="Bildergebnis für schwerpunkt relativkoordinaten"/>
+          <p:cNvPicPr>
+            <a:picLocks noChangeAspect="1" noChangeArrowheads="1"/>
+          </p:cNvPicPr>
+          <p:nvPr/>
+        </p:nvPicPr>
+        <p:blipFill>
+          <a:blip r:embed="rId8">
+            <a:extLst>
+              <a:ext uri="{28A0092B-C50C-407E-A947-70E740481C1C}">
+                <a14:useLocalDpi xmlns:a14="http://schemas.microsoft.com/office/drawing/2010/main" val="0"/>
+              </a:ext>
+            </a:extLst>
+          </a:blip>
+          <a:srcRect/>
+          <a:stretch>
+            <a:fillRect/>
+          </a:stretch>
+        </p:blipFill>
+        <p:spPr bwMode="auto">
+          <a:xfrm>
+            <a:off x="6359514" y="1484785"/>
+            <a:ext cx="2867904" cy="2016224"/>
+          </a:xfrm>
+          <a:prstGeom prst="rect">
+            <a:avLst/>
+          </a:prstGeom>
+          <a:noFill/>
+          <a:extLst>
+            <a:ext uri="{909E8E84-426E-40DD-AFC4-6F175D3DCCD1}">
+              <a14:hiddenFill xmlns:a14="http://schemas.microsoft.com/office/drawing/2010/main">
+                <a:solidFill>
+                  <a:srgbClr val="FFFFFF"/>
+                </a:solidFill>
+              </a14:hiddenFill>
+            </a:ext>
+          </a:extLst>
+        </p:spPr>
+      </p:pic>
+    </p:spTree>
+    <p:extLst>
+      <p:ext uri="{BB962C8B-B14F-4D97-AF65-F5344CB8AC3E}">
+        <p14:creationId xmlns:p14="http://schemas.microsoft.com/office/powerpoint/2010/main" val="2076541895"/>
+      </p:ext>
+    </p:extLst>
+  </p:cSld>
+  <p:clrMapOvr>
+    <a:masterClrMapping/>
+  </p:clrMapOvr>
+</p:sld>
+</file>
+
 <file path=ppt/theme/theme1.xml><?xml version="1.0" encoding="utf-8"?>
 <a:theme xmlns:a="http://schemas.openxmlformats.org/drawingml/2006/main" name="Larissa">
   <a:themeElements>
